--- a/Presentación  - Binairo.pptx
+++ b/Presentación  - Binairo.pptx
@@ -6,6 +6,22 @@
   </p:sldMasterIdLst>
   <p:sldIdLst>
     <p:sldId id="256" r:id="rId2"/>
+    <p:sldId id="259" r:id="rId3"/>
+    <p:sldId id="257" r:id="rId4"/>
+    <p:sldId id="258" r:id="rId5"/>
+    <p:sldId id="260" r:id="rId6"/>
+    <p:sldId id="261" r:id="rId7"/>
+    <p:sldId id="262" r:id="rId8"/>
+    <p:sldId id="263" r:id="rId9"/>
+    <p:sldId id="264" r:id="rId10"/>
+    <p:sldId id="265" r:id="rId11"/>
+    <p:sldId id="266" r:id="rId12"/>
+    <p:sldId id="267" r:id="rId13"/>
+    <p:sldId id="268" r:id="rId14"/>
+    <p:sldId id="269" r:id="rId15"/>
+    <p:sldId id="270" r:id="rId16"/>
+    <p:sldId id="271" r:id="rId17"/>
+    <p:sldId id="272" r:id="rId18"/>
   </p:sldIdLst>
   <p:sldSz cx="12192000" cy="6858000"/>
   <p:notesSz cx="6858000" cy="9144000"/>
@@ -104,6 +120,11 @@
       </a:defRPr>
     </a:lvl9pPr>
   </p:defaultTextStyle>
+  <p:extLst>
+    <p:ext uri="{EFAFB233-063F-42B5-8137-9DF3F51BA10A}">
+      <p15:sldGuideLst xmlns:p15="http://schemas.microsoft.com/office/powerpoint/2012/main"/>
+    </p:ext>
+  </p:extLst>
 </p:presentation>
 </file>
 
@@ -610,7 +631,7 @@
             <a:fld id="{B61BEF0D-F0BB-DE4B-95CE-6DB70DBA9567}" type="datetimeFigureOut">
               <a:rPr lang="en-US" dirty="0"/>
               <a:pPr/>
-              <a:t>11/22/2018</a:t>
+              <a:t>11/23/2018</a:t>
             </a:fld>
             <a:endParaRPr lang="en-US" dirty="0"/>
           </a:p>
@@ -903,7 +924,7 @@
             <a:fld id="{B61BEF0D-F0BB-DE4B-95CE-6DB70DBA9567}" type="datetimeFigureOut">
               <a:rPr lang="en-US" dirty="0"/>
               <a:pPr/>
-              <a:t>11/22/2018</a:t>
+              <a:t>11/23/2018</a:t>
             </a:fld>
             <a:endParaRPr lang="en-US" dirty="0"/>
           </a:p>
@@ -1148,7 +1169,7 @@
             <a:fld id="{B61BEF0D-F0BB-DE4B-95CE-6DB70DBA9567}" type="datetimeFigureOut">
               <a:rPr lang="en-US" dirty="0"/>
               <a:pPr/>
-              <a:t>11/22/2018</a:t>
+              <a:t>11/23/2018</a:t>
             </a:fld>
             <a:endParaRPr lang="en-US" dirty="0"/>
           </a:p>
@@ -1685,7 +1706,7 @@
             <a:fld id="{B61BEF0D-F0BB-DE4B-95CE-6DB70DBA9567}" type="datetimeFigureOut">
               <a:rPr lang="en-US" dirty="0"/>
               <a:pPr/>
-              <a:t>11/22/2018</a:t>
+              <a:t>11/23/2018</a:t>
             </a:fld>
             <a:endParaRPr lang="en-US" dirty="0"/>
           </a:p>
@@ -1930,7 +1951,7 @@
             <a:fld id="{B61BEF0D-F0BB-DE4B-95CE-6DB70DBA9567}" type="datetimeFigureOut">
               <a:rPr lang="en-US" dirty="0"/>
               <a:pPr/>
-              <a:t>11/22/2018</a:t>
+              <a:t>11/23/2018</a:t>
             </a:fld>
             <a:endParaRPr lang="en-US" dirty="0"/>
           </a:p>
@@ -2459,7 +2480,7 @@
             <a:fld id="{B61BEF0D-F0BB-DE4B-95CE-6DB70DBA9567}" type="datetimeFigureOut">
               <a:rPr lang="en-US" dirty="0"/>
               <a:pPr/>
-              <a:t>11/22/2018</a:t>
+              <a:t>11/23/2018</a:t>
             </a:fld>
             <a:endParaRPr lang="en-US" dirty="0"/>
           </a:p>
@@ -2753,7 +2774,7 @@
             <a:fld id="{B61BEF0D-F0BB-DE4B-95CE-6DB70DBA9567}" type="datetimeFigureOut">
               <a:rPr lang="en-US" dirty="0"/>
               <a:pPr/>
-              <a:t>11/22/2018</a:t>
+              <a:t>11/23/2018</a:t>
             </a:fld>
             <a:endParaRPr lang="en-US" dirty="0"/>
           </a:p>
@@ -2924,7 +2945,7 @@
             <a:fld id="{B61BEF0D-F0BB-DE4B-95CE-6DB70DBA9567}" type="datetimeFigureOut">
               <a:rPr lang="en-US" dirty="0"/>
               <a:pPr/>
-              <a:t>11/22/2018</a:t>
+              <a:t>11/23/2018</a:t>
             </a:fld>
             <a:endParaRPr lang="en-US" dirty="0"/>
           </a:p>
@@ -3101,7 +3122,7 @@
             <a:fld id="{B61BEF0D-F0BB-DE4B-95CE-6DB70DBA9567}" type="datetimeFigureOut">
               <a:rPr lang="en-US" dirty="0"/>
               <a:pPr/>
-              <a:t>11/22/2018</a:t>
+              <a:t>11/23/2018</a:t>
             </a:fld>
             <a:endParaRPr lang="en-US" dirty="0"/>
           </a:p>
@@ -3268,7 +3289,7 @@
             <a:fld id="{B61BEF0D-F0BB-DE4B-95CE-6DB70DBA9567}" type="datetimeFigureOut">
               <a:rPr lang="en-US" dirty="0"/>
               <a:pPr/>
-              <a:t>11/22/2018</a:t>
+              <a:t>11/23/2018</a:t>
             </a:fld>
             <a:endParaRPr lang="en-US" dirty="0"/>
           </a:p>
@@ -3516,7 +3537,7 @@
             <a:fld id="{B61BEF0D-F0BB-DE4B-95CE-6DB70DBA9567}" type="datetimeFigureOut">
               <a:rPr lang="en-US" dirty="0"/>
               <a:pPr/>
-              <a:t>11/22/2018</a:t>
+              <a:t>11/23/2018</a:t>
             </a:fld>
             <a:endParaRPr lang="en-US" dirty="0"/>
           </a:p>
@@ -3810,7 +3831,7 @@
             <a:fld id="{B61BEF0D-F0BB-DE4B-95CE-6DB70DBA9567}" type="datetimeFigureOut">
               <a:rPr lang="en-US" dirty="0"/>
               <a:pPr/>
-              <a:t>11/22/2018</a:t>
+              <a:t>11/23/2018</a:t>
             </a:fld>
             <a:endParaRPr lang="en-US" dirty="0"/>
           </a:p>
@@ -4249,7 +4270,7 @@
             <a:fld id="{B61BEF0D-F0BB-DE4B-95CE-6DB70DBA9567}" type="datetimeFigureOut">
               <a:rPr lang="en-US" dirty="0"/>
               <a:pPr/>
-              <a:t>11/22/2018</a:t>
+              <a:t>11/23/2018</a:t>
             </a:fld>
             <a:endParaRPr lang="en-US" dirty="0"/>
           </a:p>
@@ -4364,7 +4385,7 @@
             <a:fld id="{B61BEF0D-F0BB-DE4B-95CE-6DB70DBA9567}" type="datetimeFigureOut">
               <a:rPr lang="en-US" dirty="0"/>
               <a:pPr/>
-              <a:t>11/22/2018</a:t>
+              <a:t>11/23/2018</a:t>
             </a:fld>
             <a:endParaRPr lang="en-US" dirty="0"/>
           </a:p>
@@ -4456,7 +4477,7 @@
             <a:fld id="{B61BEF0D-F0BB-DE4B-95CE-6DB70DBA9567}" type="datetimeFigureOut">
               <a:rPr lang="en-US" dirty="0"/>
               <a:pPr/>
-              <a:t>11/22/2018</a:t>
+              <a:t>11/23/2018</a:t>
             </a:fld>
             <a:endParaRPr lang="en-US" dirty="0"/>
           </a:p>
@@ -4736,7 +4757,7 @@
             <a:fld id="{B61BEF0D-F0BB-DE4B-95CE-6DB70DBA9567}" type="datetimeFigureOut">
               <a:rPr lang="en-US" dirty="0"/>
               <a:pPr/>
-              <a:t>11/22/2018</a:t>
+              <a:t>11/23/2018</a:t>
             </a:fld>
             <a:endParaRPr lang="en-US" dirty="0"/>
           </a:p>
@@ -5024,7 +5045,7 @@
             <a:fld id="{B61BEF0D-F0BB-DE4B-95CE-6DB70DBA9567}" type="datetimeFigureOut">
               <a:rPr lang="en-US" dirty="0"/>
               <a:pPr/>
-              <a:t>11/22/2018</a:t>
+              <a:t>11/23/2018</a:t>
             </a:fld>
             <a:endParaRPr lang="en-US" dirty="0"/>
           </a:p>
@@ -5551,7 +5572,7 @@
             <a:fld id="{B61BEF0D-F0BB-DE4B-95CE-6DB70DBA9567}" type="datetimeFigureOut">
               <a:rPr lang="en-US" dirty="0"/>
               <a:pPr/>
-              <a:t>11/22/2018</a:t>
+              <a:t>11/23/2018</a:t>
             </a:fld>
             <a:endParaRPr lang="en-US" dirty="0"/>
           </a:p>
@@ -6088,31 +6109,366 @@
             <p:ph type="ctrTitle"/>
           </p:nvPr>
         </p:nvSpPr>
-        <p:spPr/>
-        <p:txBody>
-          <a:bodyPr/>
-          <a:lstStyle/>
-          <a:p>
-            <a:endParaRPr lang="es-AR"/>
-          </a:p>
-        </p:txBody>
-      </p:sp>
-      <p:sp>
-        <p:nvSpPr>
-          <p:cNvPr id="3" name="Subtitle 2"/>
-          <p:cNvSpPr>
-            <a:spLocks noGrp="1"/>
-          </p:cNvSpPr>
-          <p:nvPr>
-            <p:ph type="subTitle" idx="1"/>
-          </p:nvPr>
-        </p:nvSpPr>
-        <p:spPr/>
-        <p:txBody>
-          <a:bodyPr/>
-          <a:lstStyle/>
-          <a:p>
-            <a:endParaRPr lang="es-AR"/>
+        <p:spPr>
+          <a:xfrm>
+            <a:off x="2716702" y="503646"/>
+            <a:ext cx="8574622" cy="1788644"/>
+          </a:xfrm>
+        </p:spPr>
+        <p:txBody>
+          <a:bodyPr>
+            <a:normAutofit fontScale="90000"/>
+          </a:bodyPr>
+          <a:lstStyle/>
+          <a:p>
+            <a:pPr algn="ctr"/>
+            <a:r>
+              <a:rPr lang="es-AR" dirty="0" smtClean="0"/>
+              <a:t>Inteligencia Artificial</a:t>
+            </a:r>
+            <a:br>
+              <a:rPr lang="es-AR" dirty="0" smtClean="0"/>
+            </a:br>
+            <a:r>
+              <a:rPr lang="es-AR" dirty="0" smtClean="0"/>
+              <a:t>Trabajo Final - Binairo </a:t>
+            </a:r>
+            <a:endParaRPr lang="es-AR" dirty="0"/>
+          </a:p>
+        </p:txBody>
+      </p:sp>
+      <p:pic>
+        <p:nvPicPr>
+          <p:cNvPr id="4" name="Picture 3" descr="Image result for binairo"/>
+          <p:cNvPicPr/>
+          <p:nvPr/>
+        </p:nvPicPr>
+        <p:blipFill rotWithShape="1">
+          <a:blip r:embed="rId2">
+            <a:extLst>
+              <a:ext uri="{28A0092B-C50C-407E-A947-70E740481C1C}">
+                <a14:useLocalDpi xmlns:a14="http://schemas.microsoft.com/office/drawing/2010/main" val="0"/>
+              </a:ext>
+            </a:extLst>
+          </a:blip>
+          <a:srcRect l="6225" t="6343" r="6004" b="6800"/>
+          <a:stretch/>
+        </p:blipFill>
+        <p:spPr bwMode="auto">
+          <a:xfrm>
+            <a:off x="8216536" y="2714172"/>
+            <a:ext cx="3074788" cy="3004458"/>
+          </a:xfrm>
+          <a:prstGeom prst="rect">
+            <a:avLst/>
+          </a:prstGeom>
+          <a:noFill/>
+          <a:ln>
+            <a:noFill/>
+          </a:ln>
+        </p:spPr>
+      </p:pic>
+      <p:sp>
+        <p:nvSpPr>
+          <p:cNvPr id="7" name="Content Placeholder 2"/>
+          <p:cNvSpPr txBox="1">
+            <a:spLocks/>
+          </p:cNvSpPr>
+          <p:nvPr/>
+        </p:nvSpPr>
+        <p:spPr>
+          <a:xfrm>
+            <a:off x="3481476" y="3118757"/>
+            <a:ext cx="4269153" cy="2195287"/>
+          </a:xfrm>
+          <a:prstGeom prst="rect">
+            <a:avLst/>
+          </a:prstGeom>
+        </p:spPr>
+        <p:txBody>
+          <a:bodyPr vert="horz" lIns="91440" tIns="45720" rIns="91440" bIns="45720" rtlCol="0" anchor="t">
+            <a:normAutofit/>
+          </a:bodyPr>
+          <a:lstStyle>
+            <a:lvl1pPr marL="0" indent="0" algn="r" defTabSz="457200" rtl="0" eaLnBrk="1" latinLnBrk="0" hangingPunct="1">
+              <a:spcBef>
+                <a:spcPct val="20000"/>
+              </a:spcBef>
+              <a:spcAft>
+                <a:spcPts val="600"/>
+              </a:spcAft>
+              <a:buClr>
+                <a:schemeClr val="accent1">
+                  <a:lumMod val="75000"/>
+                </a:schemeClr>
+              </a:buClr>
+              <a:buSzPct val="145000"/>
+              <a:buFont typeface="Arial"/>
+              <a:buNone/>
+              <a:defRPr sz="2100" kern="1200" cap="none">
+                <a:solidFill>
+                  <a:schemeClr val="tx1"/>
+                </a:solidFill>
+                <a:effectLst/>
+                <a:latin typeface="+mn-lt"/>
+                <a:ea typeface="+mn-ea"/>
+                <a:cs typeface="+mn-cs"/>
+              </a:defRPr>
+            </a:lvl1pPr>
+            <a:lvl2pPr marL="457200" indent="0" algn="ctr" defTabSz="457200" rtl="0" eaLnBrk="1" latinLnBrk="0" hangingPunct="1">
+              <a:spcBef>
+                <a:spcPct val="20000"/>
+              </a:spcBef>
+              <a:spcAft>
+                <a:spcPts val="600"/>
+              </a:spcAft>
+              <a:buClr>
+                <a:schemeClr val="accent1">
+                  <a:lumMod val="75000"/>
+                </a:schemeClr>
+              </a:buClr>
+              <a:buSzPct val="145000"/>
+              <a:buFont typeface="Arial"/>
+              <a:buNone/>
+              <a:defRPr sz="2000" kern="1200" cap="none">
+                <a:solidFill>
+                  <a:schemeClr val="tx1">
+                    <a:tint val="75000"/>
+                  </a:schemeClr>
+                </a:solidFill>
+                <a:effectLst/>
+                <a:latin typeface="+mn-lt"/>
+                <a:ea typeface="+mn-ea"/>
+                <a:cs typeface="+mn-cs"/>
+              </a:defRPr>
+            </a:lvl2pPr>
+            <a:lvl3pPr marL="914400" indent="0" algn="ctr" defTabSz="457200" rtl="0" eaLnBrk="1" latinLnBrk="0" hangingPunct="1">
+              <a:spcBef>
+                <a:spcPct val="20000"/>
+              </a:spcBef>
+              <a:spcAft>
+                <a:spcPts val="600"/>
+              </a:spcAft>
+              <a:buClr>
+                <a:schemeClr val="accent1">
+                  <a:lumMod val="75000"/>
+                </a:schemeClr>
+              </a:buClr>
+              <a:buSzPct val="145000"/>
+              <a:buFont typeface="Arial"/>
+              <a:buNone/>
+              <a:defRPr sz="1800" kern="1200" cap="none">
+                <a:solidFill>
+                  <a:schemeClr val="tx1">
+                    <a:tint val="75000"/>
+                  </a:schemeClr>
+                </a:solidFill>
+                <a:effectLst/>
+                <a:latin typeface="+mn-lt"/>
+                <a:ea typeface="+mn-ea"/>
+                <a:cs typeface="+mn-cs"/>
+              </a:defRPr>
+            </a:lvl3pPr>
+            <a:lvl4pPr marL="1371600" indent="0" algn="ctr" defTabSz="457200" rtl="0" eaLnBrk="1" latinLnBrk="0" hangingPunct="1">
+              <a:spcBef>
+                <a:spcPct val="20000"/>
+              </a:spcBef>
+              <a:spcAft>
+                <a:spcPts val="600"/>
+              </a:spcAft>
+              <a:buClr>
+                <a:schemeClr val="accent1">
+                  <a:lumMod val="75000"/>
+                </a:schemeClr>
+              </a:buClr>
+              <a:buSzPct val="145000"/>
+              <a:buFont typeface="Arial"/>
+              <a:buNone/>
+              <a:defRPr sz="1600" kern="1200" cap="none">
+                <a:solidFill>
+                  <a:schemeClr val="tx1">
+                    <a:tint val="75000"/>
+                  </a:schemeClr>
+                </a:solidFill>
+                <a:effectLst/>
+                <a:latin typeface="+mn-lt"/>
+                <a:ea typeface="+mn-ea"/>
+                <a:cs typeface="+mn-cs"/>
+              </a:defRPr>
+            </a:lvl4pPr>
+            <a:lvl5pPr marL="1828800" indent="0" algn="ctr" defTabSz="457200" rtl="0" eaLnBrk="1" latinLnBrk="0" hangingPunct="1">
+              <a:spcBef>
+                <a:spcPct val="20000"/>
+              </a:spcBef>
+              <a:spcAft>
+                <a:spcPts val="600"/>
+              </a:spcAft>
+              <a:buClr>
+                <a:schemeClr val="accent1">
+                  <a:lumMod val="75000"/>
+                </a:schemeClr>
+              </a:buClr>
+              <a:buSzPct val="145000"/>
+              <a:buFont typeface="Arial"/>
+              <a:buNone/>
+              <a:defRPr sz="1400" kern="1200" cap="none">
+                <a:solidFill>
+                  <a:schemeClr val="tx1">
+                    <a:tint val="75000"/>
+                  </a:schemeClr>
+                </a:solidFill>
+                <a:effectLst/>
+                <a:latin typeface="+mn-lt"/>
+                <a:ea typeface="+mn-ea"/>
+                <a:cs typeface="+mn-cs"/>
+              </a:defRPr>
+            </a:lvl5pPr>
+            <a:lvl6pPr marL="2286000" indent="0" algn="ctr" defTabSz="457200" rtl="0" eaLnBrk="1" latinLnBrk="0" hangingPunct="1">
+              <a:spcBef>
+                <a:spcPct val="20000"/>
+              </a:spcBef>
+              <a:spcAft>
+                <a:spcPts val="600"/>
+              </a:spcAft>
+              <a:buClr>
+                <a:schemeClr val="accent1">
+                  <a:lumMod val="75000"/>
+                </a:schemeClr>
+              </a:buClr>
+              <a:buSzPct val="145000"/>
+              <a:buFont typeface="Arial"/>
+              <a:buNone/>
+              <a:defRPr sz="1400" kern="1200" cap="none">
+                <a:solidFill>
+                  <a:schemeClr val="tx1">
+                    <a:tint val="75000"/>
+                  </a:schemeClr>
+                </a:solidFill>
+                <a:effectLst/>
+                <a:latin typeface="+mn-lt"/>
+                <a:ea typeface="+mn-ea"/>
+                <a:cs typeface="+mn-cs"/>
+              </a:defRPr>
+            </a:lvl6pPr>
+            <a:lvl7pPr marL="2743200" indent="0" algn="ctr" defTabSz="457200" rtl="0" eaLnBrk="1" latinLnBrk="0" hangingPunct="1">
+              <a:spcBef>
+                <a:spcPct val="20000"/>
+              </a:spcBef>
+              <a:spcAft>
+                <a:spcPts val="600"/>
+              </a:spcAft>
+              <a:buClr>
+                <a:schemeClr val="accent1">
+                  <a:lumMod val="75000"/>
+                </a:schemeClr>
+              </a:buClr>
+              <a:buSzPct val="145000"/>
+              <a:buFont typeface="Arial"/>
+              <a:buNone/>
+              <a:defRPr sz="1400" kern="1200" cap="none">
+                <a:solidFill>
+                  <a:schemeClr val="tx1">
+                    <a:tint val="75000"/>
+                  </a:schemeClr>
+                </a:solidFill>
+                <a:effectLst/>
+                <a:latin typeface="+mn-lt"/>
+                <a:ea typeface="+mn-ea"/>
+                <a:cs typeface="+mn-cs"/>
+              </a:defRPr>
+            </a:lvl7pPr>
+            <a:lvl8pPr marL="3200400" indent="0" algn="ctr" defTabSz="457200" rtl="0" eaLnBrk="1" latinLnBrk="0" hangingPunct="1">
+              <a:spcBef>
+                <a:spcPct val="20000"/>
+              </a:spcBef>
+              <a:spcAft>
+                <a:spcPts val="600"/>
+              </a:spcAft>
+              <a:buClr>
+                <a:schemeClr val="accent1">
+                  <a:lumMod val="75000"/>
+                </a:schemeClr>
+              </a:buClr>
+              <a:buSzPct val="145000"/>
+              <a:buFont typeface="Arial"/>
+              <a:buNone/>
+              <a:defRPr sz="1400" kern="1200" cap="none">
+                <a:solidFill>
+                  <a:schemeClr val="tx1">
+                    <a:tint val="75000"/>
+                  </a:schemeClr>
+                </a:solidFill>
+                <a:effectLst/>
+                <a:latin typeface="+mn-lt"/>
+                <a:ea typeface="+mn-ea"/>
+                <a:cs typeface="+mn-cs"/>
+              </a:defRPr>
+            </a:lvl8pPr>
+            <a:lvl9pPr marL="3657600" indent="0" algn="ctr" defTabSz="457200" rtl="0" eaLnBrk="1" latinLnBrk="0" hangingPunct="1">
+              <a:spcBef>
+                <a:spcPct val="20000"/>
+              </a:spcBef>
+              <a:spcAft>
+                <a:spcPts val="600"/>
+              </a:spcAft>
+              <a:buClr>
+                <a:schemeClr val="accent1">
+                  <a:lumMod val="75000"/>
+                </a:schemeClr>
+              </a:buClr>
+              <a:buSzPct val="145000"/>
+              <a:buFont typeface="Arial"/>
+              <a:buNone/>
+              <a:defRPr sz="1400" kern="1200" cap="none">
+                <a:solidFill>
+                  <a:schemeClr val="tx1">
+                    <a:tint val="75000"/>
+                  </a:schemeClr>
+                </a:solidFill>
+                <a:effectLst/>
+                <a:latin typeface="+mn-lt"/>
+                <a:ea typeface="+mn-ea"/>
+                <a:cs typeface="+mn-cs"/>
+              </a:defRPr>
+            </a:lvl9pPr>
+          </a:lstStyle>
+          <a:p>
+            <a:pPr marL="342900" indent="-342900" algn="l">
+              <a:buFont typeface="Arial" panose="020B0604020202020204" pitchFamily="34" charset="0"/>
+              <a:buChar char="•"/>
+            </a:pPr>
+            <a:r>
+              <a:rPr lang="es-AR" sz="2800" dirty="0" smtClean="0"/>
+              <a:t>Integrantes del equipo</a:t>
+            </a:r>
+          </a:p>
+          <a:p>
+            <a:pPr marL="800100" lvl="1" indent="-342900" algn="l">
+              <a:buFont typeface="Arial" panose="020B0604020202020204" pitchFamily="34" charset="0"/>
+              <a:buChar char="•"/>
+            </a:pPr>
+            <a:r>
+              <a:rPr lang="es-AR" sz="2800" dirty="0" smtClean="0">
+                <a:solidFill>
+                  <a:schemeClr val="tx1"/>
+                </a:solidFill>
+              </a:rPr>
+              <a:t>Nucci, Manuel</a:t>
+            </a:r>
+          </a:p>
+          <a:p>
+            <a:pPr marL="800100" lvl="1" indent="-342900" algn="l">
+              <a:buFont typeface="Arial" panose="020B0604020202020204" pitchFamily="34" charset="0"/>
+              <a:buChar char="•"/>
+            </a:pPr>
+            <a:r>
+              <a:rPr lang="es-AR" sz="2800" dirty="0" smtClean="0">
+                <a:solidFill>
+                  <a:schemeClr val="tx1"/>
+                </a:solidFill>
+              </a:rPr>
+              <a:t>Pico, Juan Fernando</a:t>
+            </a:r>
           </a:p>
         </p:txBody>
       </p:sp>
@@ -6126,6 +6482,2390 @@
   <p:clrMapOvr>
     <a:masterClrMapping/>
   </p:clrMapOvr>
+  <p:timing>
+    <p:tnLst>
+      <p:par>
+        <p:cTn id="1" dur="indefinite" restart="never" nodeType="tmRoot"/>
+      </p:par>
+    </p:tnLst>
+  </p:timing>
+</p:sld>
+</file>
+
+<file path=ppt/slides/slide10.xml><?xml version="1.0" encoding="utf-8"?>
+<p:sld xmlns:a="http://schemas.openxmlformats.org/drawingml/2006/main" xmlns:r="http://schemas.openxmlformats.org/officeDocument/2006/relationships" xmlns:p="http://schemas.openxmlformats.org/presentationml/2006/main">
+  <p:cSld>
+    <p:spTree>
+      <p:nvGrpSpPr>
+        <p:cNvPr id="1" name=""/>
+        <p:cNvGrpSpPr/>
+        <p:nvPr/>
+      </p:nvGrpSpPr>
+      <p:grpSpPr>
+        <a:xfrm>
+          <a:off x="0" y="0"/>
+          <a:ext cx="0" cy="0"/>
+          <a:chOff x="0" y="0"/>
+          <a:chExt cx="0" cy="0"/>
+        </a:xfrm>
+      </p:grpSpPr>
+      <p:sp>
+        <p:nvSpPr>
+          <p:cNvPr id="2" name="Title 1"/>
+          <p:cNvSpPr>
+            <a:spLocks noGrp="1"/>
+          </p:cNvSpPr>
+          <p:nvPr>
+            <p:ph type="title"/>
+          </p:nvPr>
+        </p:nvSpPr>
+        <p:spPr>
+          <a:xfrm>
+            <a:off x="1510436" y="385354"/>
+            <a:ext cx="10018713" cy="1752599"/>
+          </a:xfrm>
+        </p:spPr>
+        <p:txBody>
+          <a:bodyPr/>
+          <a:lstStyle/>
+          <a:p>
+            <a:r>
+              <a:rPr lang="es-AR" dirty="0" smtClean="0"/>
+              <a:t>Regla 4.2.1</a:t>
+            </a:r>
+            <a:endParaRPr lang="es-AR" dirty="0"/>
+          </a:p>
+        </p:txBody>
+      </p:sp>
+      <p:pic>
+        <p:nvPicPr>
+          <p:cNvPr id="5" name="Picture 4"/>
+          <p:cNvPicPr>
+            <a:picLocks noChangeAspect="1"/>
+          </p:cNvPicPr>
+          <p:nvPr/>
+        </p:nvPicPr>
+        <p:blipFill>
+          <a:blip r:embed="rId2">
+            <a:extLst>
+              <a:ext uri="{28A0092B-C50C-407E-A947-70E740481C1C}">
+                <a14:useLocalDpi xmlns:a14="http://schemas.microsoft.com/office/drawing/2010/main" val="0"/>
+              </a:ext>
+            </a:extLst>
+          </a:blip>
+          <a:stretch>
+            <a:fillRect/>
+          </a:stretch>
+        </p:blipFill>
+        <p:spPr>
+          <a:xfrm>
+            <a:off x="7069265" y="2045151"/>
+            <a:ext cx="3528301" cy="3576196"/>
+          </a:xfrm>
+          <a:prstGeom prst="rect">
+            <a:avLst/>
+          </a:prstGeom>
+        </p:spPr>
+      </p:pic>
+      <p:pic>
+        <p:nvPicPr>
+          <p:cNvPr id="6" name="Picture 5"/>
+          <p:cNvPicPr>
+            <a:picLocks noChangeAspect="1"/>
+          </p:cNvPicPr>
+          <p:nvPr/>
+        </p:nvPicPr>
+        <p:blipFill>
+          <a:blip r:embed="rId3">
+            <a:extLst>
+              <a:ext uri="{28A0092B-C50C-407E-A947-70E740481C1C}">
+                <a14:useLocalDpi xmlns:a14="http://schemas.microsoft.com/office/drawing/2010/main" val="0"/>
+              </a:ext>
+            </a:extLst>
+          </a:blip>
+          <a:stretch>
+            <a:fillRect/>
+          </a:stretch>
+        </p:blipFill>
+        <p:spPr>
+          <a:xfrm>
+            <a:off x="2625633" y="2045151"/>
+            <a:ext cx="3512049" cy="3576196"/>
+          </a:xfrm>
+          <a:prstGeom prst="rect">
+            <a:avLst/>
+          </a:prstGeom>
+        </p:spPr>
+      </p:pic>
+      <p:sp>
+        <p:nvSpPr>
+          <p:cNvPr id="7" name="TextBox 6"/>
+          <p:cNvSpPr txBox="1"/>
+          <p:nvPr/>
+        </p:nvSpPr>
+        <p:spPr>
+          <a:xfrm>
+            <a:off x="3893744" y="5893134"/>
+            <a:ext cx="975825" cy="461665"/>
+          </a:xfrm>
+          <a:prstGeom prst="rect">
+            <a:avLst/>
+          </a:prstGeom>
+          <a:noFill/>
+        </p:spPr>
+        <p:txBody>
+          <a:bodyPr wrap="square" rtlCol="0">
+            <a:spAutoFit/>
+          </a:bodyPr>
+          <a:lstStyle/>
+          <a:p>
+            <a:r>
+              <a:rPr lang="es-AR" sz="2400" b="1" dirty="0" smtClean="0"/>
+              <a:t>Antes</a:t>
+            </a:r>
+            <a:endParaRPr lang="es-AR" b="1" dirty="0"/>
+          </a:p>
+        </p:txBody>
+      </p:sp>
+      <p:sp>
+        <p:nvSpPr>
+          <p:cNvPr id="8" name="TextBox 7"/>
+          <p:cNvSpPr txBox="1"/>
+          <p:nvPr/>
+        </p:nvSpPr>
+        <p:spPr>
+          <a:xfrm>
+            <a:off x="8180471" y="5907982"/>
+            <a:ext cx="1305888" cy="461665"/>
+          </a:xfrm>
+          <a:prstGeom prst="rect">
+            <a:avLst/>
+          </a:prstGeom>
+          <a:noFill/>
+        </p:spPr>
+        <p:txBody>
+          <a:bodyPr wrap="square" rtlCol="0">
+            <a:spAutoFit/>
+          </a:bodyPr>
+          <a:lstStyle/>
+          <a:p>
+            <a:r>
+              <a:rPr lang="es-AR" sz="2400" b="1" dirty="0" smtClean="0"/>
+              <a:t>Después</a:t>
+            </a:r>
+            <a:endParaRPr lang="es-AR" b="1" dirty="0"/>
+          </a:p>
+        </p:txBody>
+      </p:sp>
+    </p:spTree>
+    <p:extLst>
+      <p:ext uri="{BB962C8B-B14F-4D97-AF65-F5344CB8AC3E}">
+        <p14:creationId xmlns:p14="http://schemas.microsoft.com/office/powerpoint/2010/main" val="862379851"/>
+      </p:ext>
+    </p:extLst>
+  </p:cSld>
+  <p:clrMapOvr>
+    <a:masterClrMapping/>
+  </p:clrMapOvr>
+  <p:timing>
+    <p:tnLst>
+      <p:par>
+        <p:cTn id="1" dur="indefinite" restart="never" nodeType="tmRoot"/>
+      </p:par>
+    </p:tnLst>
+  </p:timing>
+</p:sld>
+</file>
+
+<file path=ppt/slides/slide11.xml><?xml version="1.0" encoding="utf-8"?>
+<p:sld xmlns:a="http://schemas.openxmlformats.org/drawingml/2006/main" xmlns:r="http://schemas.openxmlformats.org/officeDocument/2006/relationships" xmlns:p="http://schemas.openxmlformats.org/presentationml/2006/main">
+  <p:cSld>
+    <p:spTree>
+      <p:nvGrpSpPr>
+        <p:cNvPr id="1" name=""/>
+        <p:cNvGrpSpPr/>
+        <p:nvPr/>
+      </p:nvGrpSpPr>
+      <p:grpSpPr>
+        <a:xfrm>
+          <a:off x="0" y="0"/>
+          <a:ext cx="0" cy="0"/>
+          <a:chOff x="0" y="0"/>
+          <a:chExt cx="0" cy="0"/>
+        </a:xfrm>
+      </p:grpSpPr>
+      <p:sp>
+        <p:nvSpPr>
+          <p:cNvPr id="2" name="Title 1"/>
+          <p:cNvSpPr>
+            <a:spLocks noGrp="1"/>
+          </p:cNvSpPr>
+          <p:nvPr>
+            <p:ph type="title"/>
+          </p:nvPr>
+        </p:nvSpPr>
+        <p:spPr>
+          <a:xfrm>
+            <a:off x="1706379" y="163286"/>
+            <a:ext cx="10018713" cy="1752599"/>
+          </a:xfrm>
+        </p:spPr>
+        <p:txBody>
+          <a:bodyPr/>
+          <a:lstStyle/>
+          <a:p>
+            <a:r>
+              <a:rPr lang="es-AR" dirty="0" smtClean="0"/>
+              <a:t>Regla 4.2.2</a:t>
+            </a:r>
+            <a:endParaRPr lang="es-AR" dirty="0"/>
+          </a:p>
+        </p:txBody>
+      </p:sp>
+      <p:pic>
+        <p:nvPicPr>
+          <p:cNvPr id="4" name="Picture 3"/>
+          <p:cNvPicPr>
+            <a:picLocks noChangeAspect="1"/>
+          </p:cNvPicPr>
+          <p:nvPr/>
+        </p:nvPicPr>
+        <p:blipFill>
+          <a:blip r:embed="rId2">
+            <a:extLst>
+              <a:ext uri="{28A0092B-C50C-407E-A947-70E740481C1C}">
+                <a14:useLocalDpi xmlns:a14="http://schemas.microsoft.com/office/drawing/2010/main" val="0"/>
+              </a:ext>
+            </a:extLst>
+          </a:blip>
+          <a:stretch>
+            <a:fillRect/>
+          </a:stretch>
+        </p:blipFill>
+        <p:spPr>
+          <a:xfrm>
+            <a:off x="7106242" y="1915885"/>
+            <a:ext cx="3658567" cy="3679006"/>
+          </a:xfrm>
+          <a:prstGeom prst="rect">
+            <a:avLst/>
+          </a:prstGeom>
+        </p:spPr>
+      </p:pic>
+      <p:pic>
+        <p:nvPicPr>
+          <p:cNvPr id="5" name="Picture 4"/>
+          <p:cNvPicPr>
+            <a:picLocks noChangeAspect="1"/>
+          </p:cNvPicPr>
+          <p:nvPr/>
+        </p:nvPicPr>
+        <p:blipFill>
+          <a:blip r:embed="rId3">
+            <a:extLst>
+              <a:ext uri="{28A0092B-C50C-407E-A947-70E740481C1C}">
+                <a14:useLocalDpi xmlns:a14="http://schemas.microsoft.com/office/drawing/2010/main" val="0"/>
+              </a:ext>
+            </a:extLst>
+          </a:blip>
+          <a:stretch>
+            <a:fillRect/>
+          </a:stretch>
+        </p:blipFill>
+        <p:spPr>
+          <a:xfrm>
+            <a:off x="2571932" y="1915885"/>
+            <a:ext cx="3668758" cy="3679006"/>
+          </a:xfrm>
+          <a:prstGeom prst="rect">
+            <a:avLst/>
+          </a:prstGeom>
+        </p:spPr>
+      </p:pic>
+      <p:sp>
+        <p:nvSpPr>
+          <p:cNvPr id="6" name="TextBox 5"/>
+          <p:cNvSpPr txBox="1"/>
+          <p:nvPr/>
+        </p:nvSpPr>
+        <p:spPr>
+          <a:xfrm>
+            <a:off x="3918398" y="5880071"/>
+            <a:ext cx="975825" cy="461665"/>
+          </a:xfrm>
+          <a:prstGeom prst="rect">
+            <a:avLst/>
+          </a:prstGeom>
+          <a:noFill/>
+        </p:spPr>
+        <p:txBody>
+          <a:bodyPr wrap="square" rtlCol="0">
+            <a:spAutoFit/>
+          </a:bodyPr>
+          <a:lstStyle/>
+          <a:p>
+            <a:r>
+              <a:rPr lang="es-AR" sz="2400" b="1" dirty="0" smtClean="0"/>
+              <a:t>Antes</a:t>
+            </a:r>
+            <a:endParaRPr lang="es-AR" b="1" dirty="0"/>
+          </a:p>
+        </p:txBody>
+      </p:sp>
+      <p:sp>
+        <p:nvSpPr>
+          <p:cNvPr id="7" name="TextBox 6"/>
+          <p:cNvSpPr txBox="1"/>
+          <p:nvPr/>
+        </p:nvSpPr>
+        <p:spPr>
+          <a:xfrm>
+            <a:off x="8282581" y="5880070"/>
+            <a:ext cx="1305888" cy="461665"/>
+          </a:xfrm>
+          <a:prstGeom prst="rect">
+            <a:avLst/>
+          </a:prstGeom>
+          <a:noFill/>
+        </p:spPr>
+        <p:txBody>
+          <a:bodyPr wrap="square" rtlCol="0">
+            <a:spAutoFit/>
+          </a:bodyPr>
+          <a:lstStyle/>
+          <a:p>
+            <a:r>
+              <a:rPr lang="es-AR" sz="2400" b="1" dirty="0" smtClean="0"/>
+              <a:t>Después</a:t>
+            </a:r>
+            <a:endParaRPr lang="es-AR" b="1" dirty="0"/>
+          </a:p>
+        </p:txBody>
+      </p:sp>
+    </p:spTree>
+    <p:extLst>
+      <p:ext uri="{BB962C8B-B14F-4D97-AF65-F5344CB8AC3E}">
+        <p14:creationId xmlns:p14="http://schemas.microsoft.com/office/powerpoint/2010/main" val="1688709246"/>
+      </p:ext>
+    </p:extLst>
+  </p:cSld>
+  <p:clrMapOvr>
+    <a:masterClrMapping/>
+  </p:clrMapOvr>
+  <p:timing>
+    <p:tnLst>
+      <p:par>
+        <p:cTn id="1" dur="indefinite" restart="never" nodeType="tmRoot"/>
+      </p:par>
+    </p:tnLst>
+  </p:timing>
+</p:sld>
+</file>
+
+<file path=ppt/slides/slide12.xml><?xml version="1.0" encoding="utf-8"?>
+<p:sld xmlns:a="http://schemas.openxmlformats.org/drawingml/2006/main" xmlns:r="http://schemas.openxmlformats.org/officeDocument/2006/relationships" xmlns:p="http://schemas.openxmlformats.org/presentationml/2006/main">
+  <p:cSld>
+    <p:spTree>
+      <p:nvGrpSpPr>
+        <p:cNvPr id="1" name=""/>
+        <p:cNvGrpSpPr/>
+        <p:nvPr/>
+      </p:nvGrpSpPr>
+      <p:grpSpPr>
+        <a:xfrm>
+          <a:off x="0" y="0"/>
+          <a:ext cx="0" cy="0"/>
+          <a:chOff x="0" y="0"/>
+          <a:chExt cx="0" cy="0"/>
+        </a:xfrm>
+      </p:grpSpPr>
+      <p:sp>
+        <p:nvSpPr>
+          <p:cNvPr id="2" name="Title 1"/>
+          <p:cNvSpPr>
+            <a:spLocks noGrp="1"/>
+          </p:cNvSpPr>
+          <p:nvPr>
+            <p:ph type="title"/>
+          </p:nvPr>
+        </p:nvSpPr>
+        <p:spPr>
+          <a:xfrm>
+            <a:off x="1536563" y="346165"/>
+            <a:ext cx="10018713" cy="1752599"/>
+          </a:xfrm>
+        </p:spPr>
+        <p:txBody>
+          <a:bodyPr/>
+          <a:lstStyle/>
+          <a:p>
+            <a:r>
+              <a:rPr lang="es-AR" dirty="0" smtClean="0"/>
+              <a:t>Regla 5</a:t>
+            </a:r>
+            <a:endParaRPr lang="es-AR" dirty="0"/>
+          </a:p>
+        </p:txBody>
+      </p:sp>
+      <p:pic>
+        <p:nvPicPr>
+          <p:cNvPr id="4" name="Picture 3"/>
+          <p:cNvPicPr>
+            <a:picLocks noChangeAspect="1"/>
+          </p:cNvPicPr>
+          <p:nvPr/>
+        </p:nvPicPr>
+        <p:blipFill>
+          <a:blip r:embed="rId2">
+            <a:extLst>
+              <a:ext uri="{28A0092B-C50C-407E-A947-70E740481C1C}">
+                <a14:useLocalDpi xmlns:a14="http://schemas.microsoft.com/office/drawing/2010/main" val="0"/>
+              </a:ext>
+            </a:extLst>
+          </a:blip>
+          <a:stretch>
+            <a:fillRect/>
+          </a:stretch>
+        </p:blipFill>
+        <p:spPr>
+          <a:xfrm>
+            <a:off x="7200627" y="2221499"/>
+            <a:ext cx="3084195" cy="3084195"/>
+          </a:xfrm>
+          <a:prstGeom prst="rect">
+            <a:avLst/>
+          </a:prstGeom>
+        </p:spPr>
+      </p:pic>
+      <p:pic>
+        <p:nvPicPr>
+          <p:cNvPr id="5" name="Picture 4"/>
+          <p:cNvPicPr>
+            <a:picLocks noChangeAspect="1"/>
+          </p:cNvPicPr>
+          <p:nvPr/>
+        </p:nvPicPr>
+        <p:blipFill>
+          <a:blip r:embed="rId3">
+            <a:extLst>
+              <a:ext uri="{28A0092B-C50C-407E-A947-70E740481C1C}">
+                <a14:useLocalDpi xmlns:a14="http://schemas.microsoft.com/office/drawing/2010/main" val="0"/>
+              </a:ext>
+            </a:extLst>
+          </a:blip>
+          <a:stretch>
+            <a:fillRect/>
+          </a:stretch>
+        </p:blipFill>
+        <p:spPr>
+          <a:xfrm>
+            <a:off x="2965269" y="2221499"/>
+            <a:ext cx="3084195" cy="3084195"/>
+          </a:xfrm>
+          <a:prstGeom prst="rect">
+            <a:avLst/>
+          </a:prstGeom>
+        </p:spPr>
+      </p:pic>
+      <p:sp>
+        <p:nvSpPr>
+          <p:cNvPr id="6" name="TextBox 5"/>
+          <p:cNvSpPr txBox="1"/>
+          <p:nvPr/>
+        </p:nvSpPr>
+        <p:spPr>
+          <a:xfrm>
+            <a:off x="4019453" y="5644940"/>
+            <a:ext cx="975825" cy="461665"/>
+          </a:xfrm>
+          <a:prstGeom prst="rect">
+            <a:avLst/>
+          </a:prstGeom>
+          <a:noFill/>
+        </p:spPr>
+        <p:txBody>
+          <a:bodyPr wrap="square" rtlCol="0">
+            <a:spAutoFit/>
+          </a:bodyPr>
+          <a:lstStyle/>
+          <a:p>
+            <a:r>
+              <a:rPr lang="es-AR" sz="2400" b="1" dirty="0" smtClean="0"/>
+              <a:t>Antes</a:t>
+            </a:r>
+            <a:endParaRPr lang="es-AR" b="1" dirty="0"/>
+          </a:p>
+        </p:txBody>
+      </p:sp>
+      <p:sp>
+        <p:nvSpPr>
+          <p:cNvPr id="7" name="TextBox 6"/>
+          <p:cNvSpPr txBox="1"/>
+          <p:nvPr/>
+        </p:nvSpPr>
+        <p:spPr>
+          <a:xfrm>
+            <a:off x="8089780" y="5644940"/>
+            <a:ext cx="1305888" cy="461665"/>
+          </a:xfrm>
+          <a:prstGeom prst="rect">
+            <a:avLst/>
+          </a:prstGeom>
+          <a:noFill/>
+        </p:spPr>
+        <p:txBody>
+          <a:bodyPr wrap="square" rtlCol="0">
+            <a:spAutoFit/>
+          </a:bodyPr>
+          <a:lstStyle/>
+          <a:p>
+            <a:r>
+              <a:rPr lang="es-AR" sz="2400" b="1" dirty="0" smtClean="0"/>
+              <a:t>Después</a:t>
+            </a:r>
+            <a:endParaRPr lang="es-AR" b="1" dirty="0"/>
+          </a:p>
+        </p:txBody>
+      </p:sp>
+    </p:spTree>
+    <p:extLst>
+      <p:ext uri="{BB962C8B-B14F-4D97-AF65-F5344CB8AC3E}">
+        <p14:creationId xmlns:p14="http://schemas.microsoft.com/office/powerpoint/2010/main" val="3881602184"/>
+      </p:ext>
+    </p:extLst>
+  </p:cSld>
+  <p:clrMapOvr>
+    <a:masterClrMapping/>
+  </p:clrMapOvr>
+  <p:timing>
+    <p:tnLst>
+      <p:par>
+        <p:cTn id="1" dur="indefinite" restart="never" nodeType="tmRoot"/>
+      </p:par>
+    </p:tnLst>
+  </p:timing>
+</p:sld>
+</file>
+
+<file path=ppt/slides/slide13.xml><?xml version="1.0" encoding="utf-8"?>
+<p:sld xmlns:a="http://schemas.openxmlformats.org/drawingml/2006/main" xmlns:r="http://schemas.openxmlformats.org/officeDocument/2006/relationships" xmlns:p="http://schemas.openxmlformats.org/presentationml/2006/main">
+  <p:cSld>
+    <p:spTree>
+      <p:nvGrpSpPr>
+        <p:cNvPr id="1" name=""/>
+        <p:cNvGrpSpPr/>
+        <p:nvPr/>
+      </p:nvGrpSpPr>
+      <p:grpSpPr>
+        <a:xfrm>
+          <a:off x="0" y="0"/>
+          <a:ext cx="0" cy="0"/>
+          <a:chOff x="0" y="0"/>
+          <a:chExt cx="0" cy="0"/>
+        </a:xfrm>
+      </p:grpSpPr>
+      <p:sp>
+        <p:nvSpPr>
+          <p:cNvPr id="2" name="Title 1"/>
+          <p:cNvSpPr>
+            <a:spLocks noGrp="1"/>
+          </p:cNvSpPr>
+          <p:nvPr>
+            <p:ph type="title"/>
+          </p:nvPr>
+        </p:nvSpPr>
+        <p:spPr/>
+        <p:txBody>
+          <a:bodyPr/>
+          <a:lstStyle/>
+          <a:p>
+            <a:r>
+              <a:rPr lang="es-AR" dirty="0" smtClean="0"/>
+              <a:t>Implementación del programa en Prolog?</a:t>
+            </a:r>
+            <a:endParaRPr lang="es-AR" dirty="0"/>
+          </a:p>
+        </p:txBody>
+      </p:sp>
+      <p:sp>
+        <p:nvSpPr>
+          <p:cNvPr id="3" name="Content Placeholder 2"/>
+          <p:cNvSpPr>
+            <a:spLocks noGrp="1"/>
+          </p:cNvSpPr>
+          <p:nvPr>
+            <p:ph idx="1"/>
+          </p:nvPr>
+        </p:nvSpPr>
+        <p:spPr/>
+        <p:txBody>
+          <a:bodyPr/>
+          <a:lstStyle/>
+          <a:p>
+            <a:endParaRPr lang="es-AR"/>
+          </a:p>
+        </p:txBody>
+      </p:sp>
+    </p:spTree>
+    <p:extLst>
+      <p:ext uri="{BB962C8B-B14F-4D97-AF65-F5344CB8AC3E}">
+        <p14:creationId xmlns:p14="http://schemas.microsoft.com/office/powerpoint/2010/main" val="2313485747"/>
+      </p:ext>
+    </p:extLst>
+  </p:cSld>
+  <p:clrMapOvr>
+    <a:masterClrMapping/>
+  </p:clrMapOvr>
+  <p:timing>
+    <p:tnLst>
+      <p:par>
+        <p:cTn id="1" dur="indefinite" restart="never" nodeType="tmRoot"/>
+      </p:par>
+    </p:tnLst>
+  </p:timing>
+</p:sld>
+</file>
+
+<file path=ppt/slides/slide14.xml><?xml version="1.0" encoding="utf-8"?>
+<p:sld xmlns:a="http://schemas.openxmlformats.org/drawingml/2006/main" xmlns:r="http://schemas.openxmlformats.org/officeDocument/2006/relationships" xmlns:p="http://schemas.openxmlformats.org/presentationml/2006/main">
+  <p:cSld>
+    <p:spTree>
+      <p:nvGrpSpPr>
+        <p:cNvPr id="1" name=""/>
+        <p:cNvGrpSpPr/>
+        <p:nvPr/>
+      </p:nvGrpSpPr>
+      <p:grpSpPr>
+        <a:xfrm>
+          <a:off x="0" y="0"/>
+          <a:ext cx="0" cy="0"/>
+          <a:chOff x="0" y="0"/>
+          <a:chExt cx="0" cy="0"/>
+        </a:xfrm>
+      </p:grpSpPr>
+      <p:sp>
+        <p:nvSpPr>
+          <p:cNvPr id="2" name="Title 1"/>
+          <p:cNvSpPr>
+            <a:spLocks noGrp="1"/>
+          </p:cNvSpPr>
+          <p:nvPr>
+            <p:ph type="title"/>
+          </p:nvPr>
+        </p:nvSpPr>
+        <p:spPr>
+          <a:xfrm>
+            <a:off x="1667192" y="1992086"/>
+            <a:ext cx="4929552" cy="1752599"/>
+          </a:xfrm>
+        </p:spPr>
+        <p:txBody>
+          <a:bodyPr/>
+          <a:lstStyle/>
+          <a:p>
+            <a:r>
+              <a:rPr lang="es-AR" dirty="0" smtClean="0"/>
+              <a:t>Ciclo de resolución del tablero</a:t>
+            </a:r>
+            <a:endParaRPr lang="es-AR" dirty="0"/>
+          </a:p>
+        </p:txBody>
+      </p:sp>
+      <p:pic>
+        <p:nvPicPr>
+          <p:cNvPr id="6" name="Picture 5" descr="C:\Users\manuc\Dropbox\4° Año, Segundo Cuatrimestre 2018\Inteligencia Artificial\Trabajo Final\Binairo\binairo\Loop.png"/>
+          <p:cNvPicPr/>
+          <p:nvPr/>
+        </p:nvPicPr>
+        <p:blipFill>
+          <a:blip r:embed="rId2">
+            <a:extLst>
+              <a:ext uri="{28A0092B-C50C-407E-A947-70E740481C1C}">
+                <a14:useLocalDpi xmlns:a14="http://schemas.microsoft.com/office/drawing/2010/main" val="0"/>
+              </a:ext>
+            </a:extLst>
+          </a:blip>
+          <a:srcRect/>
+          <a:stretch>
+            <a:fillRect/>
+          </a:stretch>
+        </p:blipFill>
+        <p:spPr bwMode="auto">
+          <a:xfrm>
+            <a:off x="7499350" y="320085"/>
+            <a:ext cx="2476500" cy="6264275"/>
+          </a:xfrm>
+          <a:prstGeom prst="rect">
+            <a:avLst/>
+          </a:prstGeom>
+          <a:noFill/>
+          <a:ln>
+            <a:noFill/>
+          </a:ln>
+        </p:spPr>
+      </p:pic>
+    </p:spTree>
+    <p:extLst>
+      <p:ext uri="{BB962C8B-B14F-4D97-AF65-F5344CB8AC3E}">
+        <p14:creationId xmlns:p14="http://schemas.microsoft.com/office/powerpoint/2010/main" val="948475398"/>
+      </p:ext>
+    </p:extLst>
+  </p:cSld>
+  <p:clrMapOvr>
+    <a:masterClrMapping/>
+  </p:clrMapOvr>
+  <p:timing>
+    <p:tnLst>
+      <p:par>
+        <p:cTn id="1" dur="indefinite" restart="never" nodeType="tmRoot"/>
+      </p:par>
+    </p:tnLst>
+  </p:timing>
+</p:sld>
+</file>
+
+<file path=ppt/slides/slide15.xml><?xml version="1.0" encoding="utf-8"?>
+<p:sld xmlns:a="http://schemas.openxmlformats.org/drawingml/2006/main" xmlns:r="http://schemas.openxmlformats.org/officeDocument/2006/relationships" xmlns:p="http://schemas.openxmlformats.org/presentationml/2006/main">
+  <p:cSld>
+    <p:spTree>
+      <p:nvGrpSpPr>
+        <p:cNvPr id="1" name=""/>
+        <p:cNvGrpSpPr/>
+        <p:nvPr/>
+      </p:nvGrpSpPr>
+      <p:grpSpPr>
+        <a:xfrm>
+          <a:off x="0" y="0"/>
+          <a:ext cx="0" cy="0"/>
+          <a:chOff x="0" y="0"/>
+          <a:chExt cx="0" cy="0"/>
+        </a:xfrm>
+      </p:grpSpPr>
+      <p:sp>
+        <p:nvSpPr>
+          <p:cNvPr id="2" name="Title 1"/>
+          <p:cNvSpPr>
+            <a:spLocks noGrp="1"/>
+          </p:cNvSpPr>
+          <p:nvPr>
+            <p:ph type="title"/>
+          </p:nvPr>
+        </p:nvSpPr>
+        <p:spPr/>
+        <p:txBody>
+          <a:bodyPr/>
+          <a:lstStyle/>
+          <a:p>
+            <a:r>
+              <a:rPr lang="es-AR" dirty="0" smtClean="0"/>
+              <a:t>Dificultades en el desarrollo</a:t>
+            </a:r>
+            <a:endParaRPr lang="es-AR" dirty="0"/>
+          </a:p>
+        </p:txBody>
+      </p:sp>
+      <p:sp>
+        <p:nvSpPr>
+          <p:cNvPr id="3" name="Content Placeholder 2"/>
+          <p:cNvSpPr>
+            <a:spLocks noGrp="1"/>
+          </p:cNvSpPr>
+          <p:nvPr>
+            <p:ph idx="1"/>
+          </p:nvPr>
+        </p:nvSpPr>
+        <p:spPr>
+          <a:xfrm>
+            <a:off x="1629453" y="2666999"/>
+            <a:ext cx="10018713" cy="3124201"/>
+          </a:xfrm>
+        </p:spPr>
+        <p:txBody>
+          <a:bodyPr/>
+          <a:lstStyle/>
+          <a:p>
+            <a:r>
+              <a:rPr lang="es-AR" dirty="0" smtClean="0"/>
+              <a:t>Reglas 1 y 2</a:t>
+            </a:r>
+          </a:p>
+          <a:p>
+            <a:pPr lvl="1"/>
+            <a:r>
+              <a:rPr lang="es-AR" dirty="0" smtClean="0"/>
+              <a:t>Recorrido del tablero</a:t>
+            </a:r>
+          </a:p>
+          <a:p>
+            <a:pPr lvl="1"/>
+            <a:r>
+              <a:rPr lang="es-AR" dirty="0" smtClean="0"/>
+              <a:t>Búsqueda de la mayor eficiencia posible, minimizando la cantidad de pasadas</a:t>
+            </a:r>
+          </a:p>
+          <a:p>
+            <a:r>
+              <a:rPr lang="es-AR" dirty="0" smtClean="0"/>
+              <a:t>Regla 4</a:t>
+            </a:r>
+          </a:p>
+          <a:p>
+            <a:pPr lvl="1"/>
+            <a:r>
+              <a:rPr lang="es-AR" dirty="0" smtClean="0"/>
+              <a:t>Determinación de las celdas libres en la fila o columna</a:t>
+            </a:r>
+          </a:p>
+          <a:p>
+            <a:r>
+              <a:rPr lang="es-AR" dirty="0" smtClean="0"/>
+              <a:t>Necesidad de corte del </a:t>
+            </a:r>
+            <a:r>
+              <a:rPr lang="es-AR" dirty="0" err="1" smtClean="0"/>
+              <a:t>backtracking</a:t>
+            </a:r>
+            <a:r>
+              <a:rPr lang="es-AR" dirty="0" smtClean="0"/>
+              <a:t> en aquellos casos que no era necesario</a:t>
+            </a:r>
+          </a:p>
+          <a:p>
+            <a:endParaRPr lang="es-AR" dirty="0"/>
+          </a:p>
+        </p:txBody>
+      </p:sp>
+    </p:spTree>
+    <p:extLst>
+      <p:ext uri="{BB962C8B-B14F-4D97-AF65-F5344CB8AC3E}">
+        <p14:creationId xmlns:p14="http://schemas.microsoft.com/office/powerpoint/2010/main" val="1165529369"/>
+      </p:ext>
+    </p:extLst>
+  </p:cSld>
+  <p:clrMapOvr>
+    <a:masterClrMapping/>
+  </p:clrMapOvr>
+</p:sld>
+</file>
+
+<file path=ppt/slides/slide16.xml><?xml version="1.0" encoding="utf-8"?>
+<p:sld xmlns:a="http://schemas.openxmlformats.org/drawingml/2006/main" xmlns:r="http://schemas.openxmlformats.org/officeDocument/2006/relationships" xmlns:p="http://schemas.openxmlformats.org/presentationml/2006/main">
+  <p:cSld>
+    <p:spTree>
+      <p:nvGrpSpPr>
+        <p:cNvPr id="1" name=""/>
+        <p:cNvGrpSpPr/>
+        <p:nvPr/>
+      </p:nvGrpSpPr>
+      <p:grpSpPr>
+        <a:xfrm>
+          <a:off x="0" y="0"/>
+          <a:ext cx="0" cy="0"/>
+          <a:chOff x="0" y="0"/>
+          <a:chExt cx="0" cy="0"/>
+        </a:xfrm>
+      </p:grpSpPr>
+      <p:sp>
+        <p:nvSpPr>
+          <p:cNvPr id="2" name="Title 1"/>
+          <p:cNvSpPr>
+            <a:spLocks noGrp="1"/>
+          </p:cNvSpPr>
+          <p:nvPr>
+            <p:ph type="title"/>
+          </p:nvPr>
+        </p:nvSpPr>
+        <p:spPr>
+          <a:xfrm>
+            <a:off x="1556883" y="482600"/>
+            <a:ext cx="10018713" cy="1752599"/>
+          </a:xfrm>
+        </p:spPr>
+        <p:txBody>
+          <a:bodyPr/>
+          <a:lstStyle/>
+          <a:p>
+            <a:r>
+              <a:rPr lang="es-AR" dirty="0" smtClean="0"/>
+              <a:t>Conclusión</a:t>
+            </a:r>
+            <a:endParaRPr lang="es-AR" dirty="0"/>
+          </a:p>
+        </p:txBody>
+      </p:sp>
+      <p:sp>
+        <p:nvSpPr>
+          <p:cNvPr id="3" name="Content Placeholder 2"/>
+          <p:cNvSpPr>
+            <a:spLocks noGrp="1"/>
+          </p:cNvSpPr>
+          <p:nvPr>
+            <p:ph idx="1"/>
+          </p:nvPr>
+        </p:nvSpPr>
+        <p:spPr>
+          <a:xfrm>
+            <a:off x="1977795" y="2351313"/>
+            <a:ext cx="10018713" cy="3124201"/>
+          </a:xfrm>
+        </p:spPr>
+        <p:txBody>
+          <a:bodyPr/>
+          <a:lstStyle/>
+          <a:p>
+            <a:r>
+              <a:rPr lang="es-AR" dirty="0" smtClean="0"/>
+              <a:t>Prolog</a:t>
+            </a:r>
+            <a:endParaRPr lang="es-AR" dirty="0"/>
+          </a:p>
+          <a:p>
+            <a:pPr lvl="1"/>
+            <a:r>
+              <a:rPr lang="es-AR" dirty="0" smtClean="0"/>
+              <a:t>Ambiente indicado para la resolución del desafío de lógica</a:t>
+            </a:r>
+          </a:p>
+          <a:p>
+            <a:pPr lvl="1"/>
+            <a:r>
+              <a:rPr lang="es-AR" dirty="0" smtClean="0"/>
+              <a:t>Definición del problema y posterior consulta en base  a las reglas definidas</a:t>
+            </a:r>
+          </a:p>
+          <a:p>
+            <a:r>
+              <a:rPr lang="es-AR" dirty="0" smtClean="0"/>
+              <a:t>Aplicación de los conocimientos adquiridos en la materia</a:t>
+            </a:r>
+          </a:p>
+          <a:p>
+            <a:r>
+              <a:rPr lang="es-AR" dirty="0" smtClean="0"/>
+              <a:t>Experiencia divertida y placentera al abordar un juego</a:t>
+            </a:r>
+          </a:p>
+          <a:p>
+            <a:r>
+              <a:rPr lang="es-AR" dirty="0" smtClean="0"/>
+              <a:t>Software acorde a lo deseado en términos de performance y escalabilidad</a:t>
+            </a:r>
+            <a:endParaRPr lang="es-AR" dirty="0"/>
+          </a:p>
+        </p:txBody>
+      </p:sp>
+    </p:spTree>
+    <p:extLst>
+      <p:ext uri="{BB962C8B-B14F-4D97-AF65-F5344CB8AC3E}">
+        <p14:creationId xmlns:p14="http://schemas.microsoft.com/office/powerpoint/2010/main" val="2332365058"/>
+      </p:ext>
+    </p:extLst>
+  </p:cSld>
+  <p:clrMapOvr>
+    <a:masterClrMapping/>
+  </p:clrMapOvr>
+</p:sld>
+</file>
+
+<file path=ppt/slides/slide17.xml><?xml version="1.0" encoding="utf-8"?>
+<p:sld xmlns:a="http://schemas.openxmlformats.org/drawingml/2006/main" xmlns:r="http://schemas.openxmlformats.org/officeDocument/2006/relationships" xmlns:p="http://schemas.openxmlformats.org/presentationml/2006/main">
+  <p:cSld>
+    <p:spTree>
+      <p:nvGrpSpPr>
+        <p:cNvPr id="1" name=""/>
+        <p:cNvGrpSpPr/>
+        <p:nvPr/>
+      </p:nvGrpSpPr>
+      <p:grpSpPr>
+        <a:xfrm>
+          <a:off x="0" y="0"/>
+          <a:ext cx="0" cy="0"/>
+          <a:chOff x="0" y="0"/>
+          <a:chExt cx="0" cy="0"/>
+        </a:xfrm>
+      </p:grpSpPr>
+      <p:sp>
+        <p:nvSpPr>
+          <p:cNvPr id="2" name="Title 1"/>
+          <p:cNvSpPr>
+            <a:spLocks noGrp="1"/>
+          </p:cNvSpPr>
+          <p:nvPr>
+            <p:ph type="title"/>
+          </p:nvPr>
+        </p:nvSpPr>
+        <p:spPr>
+          <a:xfrm>
+            <a:off x="1643968" y="2500085"/>
+            <a:ext cx="10018713" cy="1752599"/>
+          </a:xfrm>
+        </p:spPr>
+        <p:txBody>
+          <a:bodyPr/>
+          <a:lstStyle/>
+          <a:p>
+            <a:r>
+              <a:rPr lang="es-AR" dirty="0" smtClean="0"/>
+              <a:t>¡Muchas gracias!</a:t>
+            </a:r>
+            <a:endParaRPr lang="es-AR" dirty="0"/>
+          </a:p>
+        </p:txBody>
+      </p:sp>
+    </p:spTree>
+    <p:extLst>
+      <p:ext uri="{BB962C8B-B14F-4D97-AF65-F5344CB8AC3E}">
+        <p14:creationId xmlns:p14="http://schemas.microsoft.com/office/powerpoint/2010/main" val="4187349271"/>
+      </p:ext>
+    </p:extLst>
+  </p:cSld>
+  <p:clrMapOvr>
+    <a:masterClrMapping/>
+  </p:clrMapOvr>
+</p:sld>
+</file>
+
+<file path=ppt/slides/slide2.xml><?xml version="1.0" encoding="utf-8"?>
+<p:sld xmlns:a="http://schemas.openxmlformats.org/drawingml/2006/main" xmlns:r="http://schemas.openxmlformats.org/officeDocument/2006/relationships" xmlns:p="http://schemas.openxmlformats.org/presentationml/2006/main">
+  <p:cSld>
+    <p:spTree>
+      <p:nvGrpSpPr>
+        <p:cNvPr id="1" name=""/>
+        <p:cNvGrpSpPr/>
+        <p:nvPr/>
+      </p:nvGrpSpPr>
+      <p:grpSpPr>
+        <a:xfrm>
+          <a:off x="0" y="0"/>
+          <a:ext cx="0" cy="0"/>
+          <a:chOff x="0" y="0"/>
+          <a:chExt cx="0" cy="0"/>
+        </a:xfrm>
+      </p:grpSpPr>
+      <p:sp>
+        <p:nvSpPr>
+          <p:cNvPr id="3" name="Content Placeholder 2"/>
+          <p:cNvSpPr>
+            <a:spLocks noGrp="1"/>
+          </p:cNvSpPr>
+          <p:nvPr>
+            <p:ph idx="1"/>
+          </p:nvPr>
+        </p:nvSpPr>
+        <p:spPr>
+          <a:xfrm>
+            <a:off x="1928447" y="2666999"/>
+            <a:ext cx="10018713" cy="3124201"/>
+          </a:xfrm>
+        </p:spPr>
+        <p:txBody>
+          <a:bodyPr/>
+          <a:lstStyle/>
+          <a:p>
+            <a:r>
+              <a:rPr lang="es-AR" dirty="0" smtClean="0"/>
+              <a:t>Oficialmente llamado </a:t>
+            </a:r>
+            <a:r>
+              <a:rPr lang="es-AR" dirty="0" err="1" smtClean="0"/>
+              <a:t>Takuzu</a:t>
+            </a:r>
+            <a:endParaRPr lang="es-AR" dirty="0" smtClean="0"/>
+          </a:p>
+          <a:p>
+            <a:r>
+              <a:rPr lang="es-AR" dirty="0" smtClean="0"/>
+              <a:t>Rompecabezas de lógica</a:t>
+            </a:r>
+          </a:p>
+          <a:p>
+            <a:r>
+              <a:rPr lang="es-AR" dirty="0" smtClean="0"/>
+              <a:t>Cuadrícula rectangular con unos y ceros, o círculos blancos y negros</a:t>
+            </a:r>
+          </a:p>
+          <a:p>
+            <a:r>
+              <a:rPr lang="es-AR" dirty="0" smtClean="0"/>
+              <a:t>Tablero sin un tamaño estándar</a:t>
+            </a:r>
+          </a:p>
+          <a:p>
+            <a:r>
+              <a:rPr lang="es-AR" dirty="0" smtClean="0"/>
+              <a:t>Conjunto inicial de celdas en el tablero</a:t>
+            </a:r>
+            <a:endParaRPr lang="es-AR" dirty="0"/>
+          </a:p>
+        </p:txBody>
+      </p:sp>
+      <p:pic>
+        <p:nvPicPr>
+          <p:cNvPr id="1026" name="Picture 2" descr="Image result for binairo"/>
+          <p:cNvPicPr>
+            <a:picLocks noChangeAspect="1" noChangeArrowheads="1"/>
+          </p:cNvPicPr>
+          <p:nvPr/>
+        </p:nvPicPr>
+        <p:blipFill>
+          <a:blip r:embed="rId2">
+            <a:extLst>
+              <a:ext uri="{28A0092B-C50C-407E-A947-70E740481C1C}">
+                <a14:useLocalDpi xmlns:a14="http://schemas.microsoft.com/office/drawing/2010/main" val="0"/>
+              </a:ext>
+            </a:extLst>
+          </a:blip>
+          <a:srcRect/>
+          <a:stretch>
+            <a:fillRect/>
+          </a:stretch>
+        </p:blipFill>
+        <p:spPr bwMode="auto">
+          <a:xfrm>
+            <a:off x="4061368" y="895122"/>
+            <a:ext cx="5029277" cy="1628185"/>
+          </a:xfrm>
+          <a:prstGeom prst="rect">
+            <a:avLst/>
+          </a:prstGeom>
+          <a:noFill/>
+          <a:extLst>
+            <a:ext uri="{909E8E84-426E-40DD-AFC4-6F175D3DCCD1}">
+              <a14:hiddenFill xmlns:a14="http://schemas.microsoft.com/office/drawing/2010/main">
+                <a:solidFill>
+                  <a:srgbClr val="FFFFFF"/>
+                </a:solidFill>
+              </a14:hiddenFill>
+            </a:ext>
+          </a:extLst>
+        </p:spPr>
+      </p:pic>
+    </p:spTree>
+    <p:extLst>
+      <p:ext uri="{BB962C8B-B14F-4D97-AF65-F5344CB8AC3E}">
+        <p14:creationId xmlns:p14="http://schemas.microsoft.com/office/powerpoint/2010/main" val="3681420784"/>
+      </p:ext>
+    </p:extLst>
+  </p:cSld>
+  <p:clrMapOvr>
+    <a:masterClrMapping/>
+  </p:clrMapOvr>
+  <p:timing>
+    <p:tnLst>
+      <p:par>
+        <p:cTn id="1" dur="indefinite" restart="never" nodeType="tmRoot"/>
+      </p:par>
+    </p:tnLst>
+  </p:timing>
+</p:sld>
+</file>
+
+<file path=ppt/slides/slide3.xml><?xml version="1.0" encoding="utf-8"?>
+<p:sld xmlns:a="http://schemas.openxmlformats.org/drawingml/2006/main" xmlns:r="http://schemas.openxmlformats.org/officeDocument/2006/relationships" xmlns:p="http://schemas.openxmlformats.org/presentationml/2006/main">
+  <p:cSld>
+    <p:spTree>
+      <p:nvGrpSpPr>
+        <p:cNvPr id="1" name=""/>
+        <p:cNvGrpSpPr/>
+        <p:nvPr/>
+      </p:nvGrpSpPr>
+      <p:grpSpPr>
+        <a:xfrm>
+          <a:off x="0" y="0"/>
+          <a:ext cx="0" cy="0"/>
+          <a:chOff x="0" y="0"/>
+          <a:chExt cx="0" cy="0"/>
+        </a:xfrm>
+      </p:grpSpPr>
+      <p:sp>
+        <p:nvSpPr>
+          <p:cNvPr id="2" name="Title 1"/>
+          <p:cNvSpPr>
+            <a:spLocks noGrp="1"/>
+          </p:cNvSpPr>
+          <p:nvPr>
+            <p:ph type="title"/>
+          </p:nvPr>
+        </p:nvSpPr>
+        <p:spPr/>
+        <p:txBody>
+          <a:bodyPr/>
+          <a:lstStyle/>
+          <a:p>
+            <a:r>
+              <a:rPr lang="es-AR" dirty="0" smtClean="0"/>
+              <a:t>Reglas del juego</a:t>
+            </a:r>
+            <a:endParaRPr lang="es-AR" dirty="0"/>
+          </a:p>
+        </p:txBody>
+      </p:sp>
+      <p:sp>
+        <p:nvSpPr>
+          <p:cNvPr id="3" name="Content Placeholder 2"/>
+          <p:cNvSpPr>
+            <a:spLocks noGrp="1"/>
+          </p:cNvSpPr>
+          <p:nvPr>
+            <p:ph idx="1"/>
+          </p:nvPr>
+        </p:nvSpPr>
+        <p:spPr>
+          <a:xfrm>
+            <a:off x="1614939" y="2479764"/>
+            <a:ext cx="6562410" cy="3126377"/>
+          </a:xfrm>
+        </p:spPr>
+        <p:txBody>
+          <a:bodyPr/>
+          <a:lstStyle/>
+          <a:p>
+            <a:pPr lvl="0"/>
+            <a:r>
+              <a:rPr lang="es-AR" dirty="0"/>
+              <a:t>Cada fila y cada columna debe contener un número igual de círculos blancos y negros.</a:t>
+            </a:r>
+          </a:p>
+          <a:p>
+            <a:pPr lvl="0"/>
+            <a:r>
+              <a:rPr lang="es-AR" dirty="0"/>
+              <a:t>Más de dos círculos del mismo color no pueden ser adyacentes.</a:t>
+            </a:r>
+          </a:p>
+          <a:p>
+            <a:pPr lvl="0"/>
+            <a:r>
+              <a:rPr lang="es-AR" dirty="0"/>
+              <a:t>Cada fila y columna es única</a:t>
+            </a:r>
+            <a:r>
+              <a:rPr lang="es-AR" dirty="0" smtClean="0"/>
+              <a:t>.</a:t>
+            </a:r>
+            <a:endParaRPr lang="es-AR" dirty="0"/>
+          </a:p>
+        </p:txBody>
+      </p:sp>
+      <p:pic>
+        <p:nvPicPr>
+          <p:cNvPr id="4" name="Picture 3"/>
+          <p:cNvPicPr>
+            <a:picLocks noChangeAspect="1"/>
+          </p:cNvPicPr>
+          <p:nvPr/>
+        </p:nvPicPr>
+        <p:blipFill>
+          <a:blip r:embed="rId2"/>
+          <a:stretch>
+            <a:fillRect/>
+          </a:stretch>
+        </p:blipFill>
+        <p:spPr>
+          <a:xfrm>
+            <a:off x="8408943" y="2666999"/>
+            <a:ext cx="2991646" cy="3045550"/>
+          </a:xfrm>
+          <a:prstGeom prst="rect">
+            <a:avLst/>
+          </a:prstGeom>
+        </p:spPr>
+      </p:pic>
+    </p:spTree>
+    <p:extLst>
+      <p:ext uri="{BB962C8B-B14F-4D97-AF65-F5344CB8AC3E}">
+        <p14:creationId xmlns:p14="http://schemas.microsoft.com/office/powerpoint/2010/main" val="1806090276"/>
+      </p:ext>
+    </p:extLst>
+  </p:cSld>
+  <p:clrMapOvr>
+    <a:masterClrMapping/>
+  </p:clrMapOvr>
+  <p:timing>
+    <p:tnLst>
+      <p:par>
+        <p:cTn id="1" dur="indefinite" restart="never" nodeType="tmRoot"/>
+      </p:par>
+    </p:tnLst>
+  </p:timing>
+</p:sld>
+</file>
+
+<file path=ppt/slides/slide4.xml><?xml version="1.0" encoding="utf-8"?>
+<p:sld xmlns:a="http://schemas.openxmlformats.org/drawingml/2006/main" xmlns:r="http://schemas.openxmlformats.org/officeDocument/2006/relationships" xmlns:p="http://schemas.openxmlformats.org/presentationml/2006/main">
+  <p:cSld>
+    <p:spTree>
+      <p:nvGrpSpPr>
+        <p:cNvPr id="1" name=""/>
+        <p:cNvGrpSpPr/>
+        <p:nvPr/>
+      </p:nvGrpSpPr>
+      <p:grpSpPr>
+        <a:xfrm>
+          <a:off x="0" y="0"/>
+          <a:ext cx="0" cy="0"/>
+          <a:chOff x="0" y="0"/>
+          <a:chExt cx="0" cy="0"/>
+        </a:xfrm>
+      </p:grpSpPr>
+      <p:sp>
+        <p:nvSpPr>
+          <p:cNvPr id="2" name="Title 1"/>
+          <p:cNvSpPr>
+            <a:spLocks noGrp="1"/>
+          </p:cNvSpPr>
+          <p:nvPr>
+            <p:ph type="title"/>
+          </p:nvPr>
+        </p:nvSpPr>
+        <p:spPr>
+          <a:xfrm>
+            <a:off x="1628002" y="150223"/>
+            <a:ext cx="10018713" cy="1752599"/>
+          </a:xfrm>
+        </p:spPr>
+        <p:txBody>
+          <a:bodyPr/>
+          <a:lstStyle/>
+          <a:p>
+            <a:r>
+              <a:rPr lang="es-AR" dirty="0" smtClean="0"/>
+              <a:t>Pasos para resolver el juego</a:t>
+            </a:r>
+            <a:endParaRPr lang="es-AR" dirty="0"/>
+          </a:p>
+        </p:txBody>
+      </p:sp>
+      <p:sp>
+        <p:nvSpPr>
+          <p:cNvPr id="3" name="Content Placeholder 2"/>
+          <p:cNvSpPr>
+            <a:spLocks noGrp="1"/>
+          </p:cNvSpPr>
+          <p:nvPr>
+            <p:ph idx="1"/>
+          </p:nvPr>
+        </p:nvSpPr>
+        <p:spPr>
+          <a:xfrm>
+            <a:off x="3089565" y="1708330"/>
+            <a:ext cx="3806147" cy="4650377"/>
+          </a:xfrm>
+        </p:spPr>
+        <p:txBody>
+          <a:bodyPr>
+            <a:normAutofit lnSpcReduction="10000"/>
+          </a:bodyPr>
+          <a:lstStyle/>
+          <a:p>
+            <a:r>
+              <a:rPr lang="es-AR" dirty="0" smtClean="0"/>
+              <a:t>Regla 1</a:t>
+            </a:r>
+          </a:p>
+          <a:p>
+            <a:r>
+              <a:rPr lang="es-AR" dirty="0" smtClean="0"/>
+              <a:t>Regla 2</a:t>
+            </a:r>
+          </a:p>
+          <a:p>
+            <a:r>
+              <a:rPr lang="es-AR" dirty="0" smtClean="0"/>
+              <a:t>Regla 3</a:t>
+            </a:r>
+          </a:p>
+          <a:p>
+            <a:r>
+              <a:rPr lang="es-AR" dirty="0" smtClean="0"/>
+              <a:t>Regla 4</a:t>
+            </a:r>
+          </a:p>
+          <a:p>
+            <a:pPr lvl="1"/>
+            <a:r>
+              <a:rPr lang="es-AR" dirty="0" smtClean="0"/>
+              <a:t>Regla 4.1</a:t>
+            </a:r>
+          </a:p>
+          <a:p>
+            <a:pPr lvl="1"/>
+            <a:r>
+              <a:rPr lang="es-AR" dirty="0" smtClean="0"/>
+              <a:t>Regla 4.2</a:t>
+            </a:r>
+          </a:p>
+          <a:p>
+            <a:pPr lvl="2"/>
+            <a:r>
+              <a:rPr lang="es-AR" dirty="0" smtClean="0"/>
+              <a:t>Regla 4.2.1</a:t>
+            </a:r>
+          </a:p>
+          <a:p>
+            <a:pPr lvl="2"/>
+            <a:r>
+              <a:rPr lang="es-AR" dirty="0" smtClean="0"/>
+              <a:t>Regla 4.2.2</a:t>
+            </a:r>
+          </a:p>
+          <a:p>
+            <a:r>
+              <a:rPr lang="es-AR" dirty="0" smtClean="0"/>
+              <a:t>Regla 5</a:t>
+            </a:r>
+            <a:endParaRPr lang="es-AR" dirty="0"/>
+          </a:p>
+          <a:p>
+            <a:r>
+              <a:rPr lang="es-AR" dirty="0" smtClean="0"/>
+              <a:t>No se aplica fuerza bruta</a:t>
+            </a:r>
+          </a:p>
+        </p:txBody>
+      </p:sp>
+    </p:spTree>
+    <p:extLst>
+      <p:ext uri="{BB962C8B-B14F-4D97-AF65-F5344CB8AC3E}">
+        <p14:creationId xmlns:p14="http://schemas.microsoft.com/office/powerpoint/2010/main" val="1007092974"/>
+      </p:ext>
+    </p:extLst>
+  </p:cSld>
+  <p:clrMapOvr>
+    <a:masterClrMapping/>
+  </p:clrMapOvr>
+  <p:timing>
+    <p:tnLst>
+      <p:par>
+        <p:cTn id="1" dur="indefinite" restart="never" nodeType="tmRoot"/>
+      </p:par>
+    </p:tnLst>
+  </p:timing>
+</p:sld>
+</file>
+
+<file path=ppt/slides/slide5.xml><?xml version="1.0" encoding="utf-8"?>
+<p:sld xmlns:a="http://schemas.openxmlformats.org/drawingml/2006/main" xmlns:r="http://schemas.openxmlformats.org/officeDocument/2006/relationships" xmlns:p="http://schemas.openxmlformats.org/presentationml/2006/main">
+  <p:cSld>
+    <p:spTree>
+      <p:nvGrpSpPr>
+        <p:cNvPr id="1" name=""/>
+        <p:cNvGrpSpPr/>
+        <p:nvPr/>
+      </p:nvGrpSpPr>
+      <p:grpSpPr>
+        <a:xfrm>
+          <a:off x="0" y="0"/>
+          <a:ext cx="0" cy="0"/>
+          <a:chOff x="0" y="0"/>
+          <a:chExt cx="0" cy="0"/>
+        </a:xfrm>
+      </p:grpSpPr>
+      <p:sp>
+        <p:nvSpPr>
+          <p:cNvPr id="2" name="Title 1"/>
+          <p:cNvSpPr>
+            <a:spLocks noGrp="1"/>
+          </p:cNvSpPr>
+          <p:nvPr>
+            <p:ph type="title"/>
+          </p:nvPr>
+        </p:nvSpPr>
+        <p:spPr>
+          <a:xfrm>
+            <a:off x="1628002" y="522262"/>
+            <a:ext cx="10018713" cy="1752599"/>
+          </a:xfrm>
+        </p:spPr>
+        <p:txBody>
+          <a:bodyPr/>
+          <a:lstStyle/>
+          <a:p>
+            <a:r>
+              <a:rPr lang="es-AR" dirty="0" smtClean="0"/>
+              <a:t>Regla 1</a:t>
+            </a:r>
+            <a:endParaRPr lang="es-AR" dirty="0"/>
+          </a:p>
+        </p:txBody>
+      </p:sp>
+      <p:pic>
+        <p:nvPicPr>
+          <p:cNvPr id="6" name="Picture 5"/>
+          <p:cNvPicPr>
+            <a:picLocks noChangeAspect="1"/>
+          </p:cNvPicPr>
+          <p:nvPr/>
+        </p:nvPicPr>
+        <p:blipFill>
+          <a:blip r:embed="rId2">
+            <a:extLst>
+              <a:ext uri="{28A0092B-C50C-407E-A947-70E740481C1C}">
+                <a14:useLocalDpi xmlns:a14="http://schemas.microsoft.com/office/drawing/2010/main" val="0"/>
+              </a:ext>
+            </a:extLst>
+          </a:blip>
+          <a:stretch>
+            <a:fillRect/>
+          </a:stretch>
+        </p:blipFill>
+        <p:spPr>
+          <a:xfrm>
+            <a:off x="7085417" y="2274861"/>
+            <a:ext cx="3249663" cy="3279205"/>
+          </a:xfrm>
+          <a:prstGeom prst="rect">
+            <a:avLst/>
+          </a:prstGeom>
+        </p:spPr>
+      </p:pic>
+      <p:pic>
+        <p:nvPicPr>
+          <p:cNvPr id="7" name="Picture 6"/>
+          <p:cNvPicPr>
+            <a:picLocks noChangeAspect="1"/>
+          </p:cNvPicPr>
+          <p:nvPr/>
+        </p:nvPicPr>
+        <p:blipFill>
+          <a:blip r:embed="rId3">
+            <a:extLst>
+              <a:ext uri="{28A0092B-C50C-407E-A947-70E740481C1C}">
+                <a14:useLocalDpi xmlns:a14="http://schemas.microsoft.com/office/drawing/2010/main" val="0"/>
+              </a:ext>
+            </a:extLst>
+          </a:blip>
+          <a:stretch>
+            <a:fillRect/>
+          </a:stretch>
+        </p:blipFill>
+        <p:spPr>
+          <a:xfrm>
+            <a:off x="2810964" y="2274862"/>
+            <a:ext cx="3249394" cy="3279204"/>
+          </a:xfrm>
+          <a:prstGeom prst="rect">
+            <a:avLst/>
+          </a:prstGeom>
+        </p:spPr>
+      </p:pic>
+      <p:sp>
+        <p:nvSpPr>
+          <p:cNvPr id="8" name="TextBox 7"/>
+          <p:cNvSpPr txBox="1"/>
+          <p:nvPr/>
+        </p:nvSpPr>
+        <p:spPr>
+          <a:xfrm>
+            <a:off x="3916822" y="5893135"/>
+            <a:ext cx="1037677" cy="461665"/>
+          </a:xfrm>
+          <a:prstGeom prst="rect">
+            <a:avLst/>
+          </a:prstGeom>
+          <a:noFill/>
+        </p:spPr>
+        <p:txBody>
+          <a:bodyPr wrap="square" rtlCol="0">
+            <a:spAutoFit/>
+          </a:bodyPr>
+          <a:lstStyle/>
+          <a:p>
+            <a:r>
+              <a:rPr lang="es-AR" sz="2400" b="1" dirty="0" smtClean="0"/>
+              <a:t>Antes</a:t>
+            </a:r>
+            <a:endParaRPr lang="es-AR" b="1" dirty="0"/>
+          </a:p>
+        </p:txBody>
+      </p:sp>
+      <p:sp>
+        <p:nvSpPr>
+          <p:cNvPr id="9" name="TextBox 8"/>
+          <p:cNvSpPr txBox="1"/>
+          <p:nvPr/>
+        </p:nvSpPr>
+        <p:spPr>
+          <a:xfrm>
+            <a:off x="8058362" y="5893134"/>
+            <a:ext cx="1303772" cy="461665"/>
+          </a:xfrm>
+          <a:prstGeom prst="rect">
+            <a:avLst/>
+          </a:prstGeom>
+          <a:noFill/>
+        </p:spPr>
+        <p:txBody>
+          <a:bodyPr wrap="square" rtlCol="0">
+            <a:spAutoFit/>
+          </a:bodyPr>
+          <a:lstStyle/>
+          <a:p>
+            <a:r>
+              <a:rPr lang="es-AR" sz="2400" b="1" dirty="0" smtClean="0"/>
+              <a:t>Después</a:t>
+            </a:r>
+            <a:endParaRPr lang="es-AR" b="1" dirty="0"/>
+          </a:p>
+        </p:txBody>
+      </p:sp>
+    </p:spTree>
+    <p:extLst>
+      <p:ext uri="{BB962C8B-B14F-4D97-AF65-F5344CB8AC3E}">
+        <p14:creationId xmlns:p14="http://schemas.microsoft.com/office/powerpoint/2010/main" val="1815375433"/>
+      </p:ext>
+    </p:extLst>
+  </p:cSld>
+  <p:clrMapOvr>
+    <a:masterClrMapping/>
+  </p:clrMapOvr>
+  <p:timing>
+    <p:tnLst>
+      <p:par>
+        <p:cTn id="1" dur="indefinite" restart="never" nodeType="tmRoot"/>
+      </p:par>
+    </p:tnLst>
+  </p:timing>
+</p:sld>
+</file>
+
+<file path=ppt/slides/slide6.xml><?xml version="1.0" encoding="utf-8"?>
+<p:sld xmlns:a="http://schemas.openxmlformats.org/drawingml/2006/main" xmlns:r="http://schemas.openxmlformats.org/officeDocument/2006/relationships" xmlns:p="http://schemas.openxmlformats.org/presentationml/2006/main">
+  <p:cSld>
+    <p:spTree>
+      <p:nvGrpSpPr>
+        <p:cNvPr id="1" name=""/>
+        <p:cNvGrpSpPr/>
+        <p:nvPr/>
+      </p:nvGrpSpPr>
+      <p:grpSpPr>
+        <a:xfrm>
+          <a:off x="0" y="0"/>
+          <a:ext cx="0" cy="0"/>
+          <a:chOff x="0" y="0"/>
+          <a:chExt cx="0" cy="0"/>
+        </a:xfrm>
+      </p:grpSpPr>
+      <p:sp>
+        <p:nvSpPr>
+          <p:cNvPr id="2" name="Title 1"/>
+          <p:cNvSpPr>
+            <a:spLocks noGrp="1"/>
+          </p:cNvSpPr>
+          <p:nvPr>
+            <p:ph type="title"/>
+          </p:nvPr>
+        </p:nvSpPr>
+        <p:spPr>
+          <a:xfrm>
+            <a:off x="1562688" y="424542"/>
+            <a:ext cx="10018713" cy="1752599"/>
+          </a:xfrm>
+        </p:spPr>
+        <p:txBody>
+          <a:bodyPr/>
+          <a:lstStyle/>
+          <a:p>
+            <a:r>
+              <a:rPr lang="es-AR" dirty="0" smtClean="0"/>
+              <a:t>Regla 2</a:t>
+            </a:r>
+            <a:endParaRPr lang="es-AR" dirty="0"/>
+          </a:p>
+        </p:txBody>
+      </p:sp>
+      <p:pic>
+        <p:nvPicPr>
+          <p:cNvPr id="4" name="Picture 3"/>
+          <p:cNvPicPr>
+            <a:picLocks noChangeAspect="1"/>
+          </p:cNvPicPr>
+          <p:nvPr/>
+        </p:nvPicPr>
+        <p:blipFill>
+          <a:blip r:embed="rId2">
+            <a:extLst>
+              <a:ext uri="{28A0092B-C50C-407E-A947-70E740481C1C}">
+                <a14:useLocalDpi xmlns:a14="http://schemas.microsoft.com/office/drawing/2010/main" val="0"/>
+              </a:ext>
+            </a:extLst>
+          </a:blip>
+          <a:stretch>
+            <a:fillRect/>
+          </a:stretch>
+        </p:blipFill>
+        <p:spPr>
+          <a:xfrm>
+            <a:off x="7189024" y="2294708"/>
+            <a:ext cx="3325598" cy="3310618"/>
+          </a:xfrm>
+          <a:prstGeom prst="rect">
+            <a:avLst/>
+          </a:prstGeom>
+        </p:spPr>
+      </p:pic>
+      <p:pic>
+        <p:nvPicPr>
+          <p:cNvPr id="5" name="Picture 4"/>
+          <p:cNvPicPr>
+            <a:picLocks noChangeAspect="1"/>
+          </p:cNvPicPr>
+          <p:nvPr/>
+        </p:nvPicPr>
+        <p:blipFill>
+          <a:blip r:embed="rId3">
+            <a:extLst>
+              <a:ext uri="{28A0092B-C50C-407E-A947-70E740481C1C}">
+                <a14:useLocalDpi xmlns:a14="http://schemas.microsoft.com/office/drawing/2010/main" val="0"/>
+              </a:ext>
+            </a:extLst>
+          </a:blip>
+          <a:stretch>
+            <a:fillRect/>
+          </a:stretch>
+        </p:blipFill>
+        <p:spPr>
+          <a:xfrm>
+            <a:off x="2517482" y="2294708"/>
+            <a:ext cx="3280793" cy="3310618"/>
+          </a:xfrm>
+          <a:prstGeom prst="rect">
+            <a:avLst/>
+          </a:prstGeom>
+        </p:spPr>
+      </p:pic>
+      <p:sp>
+        <p:nvSpPr>
+          <p:cNvPr id="6" name="TextBox 5"/>
+          <p:cNvSpPr txBox="1"/>
+          <p:nvPr/>
+        </p:nvSpPr>
+        <p:spPr>
+          <a:xfrm>
+            <a:off x="3752929" y="5893135"/>
+            <a:ext cx="975825" cy="461665"/>
+          </a:xfrm>
+          <a:prstGeom prst="rect">
+            <a:avLst/>
+          </a:prstGeom>
+          <a:noFill/>
+        </p:spPr>
+        <p:txBody>
+          <a:bodyPr wrap="square" rtlCol="0">
+            <a:spAutoFit/>
+          </a:bodyPr>
+          <a:lstStyle/>
+          <a:p>
+            <a:r>
+              <a:rPr lang="es-AR" sz="2400" b="1" dirty="0" smtClean="0"/>
+              <a:t>Antes</a:t>
+            </a:r>
+            <a:endParaRPr lang="es-AR" b="1" dirty="0"/>
+          </a:p>
+        </p:txBody>
+      </p:sp>
+      <p:sp>
+        <p:nvSpPr>
+          <p:cNvPr id="7" name="TextBox 6"/>
+          <p:cNvSpPr txBox="1"/>
+          <p:nvPr/>
+        </p:nvSpPr>
+        <p:spPr>
+          <a:xfrm>
+            <a:off x="8198879" y="5893134"/>
+            <a:ext cx="1305888" cy="461665"/>
+          </a:xfrm>
+          <a:prstGeom prst="rect">
+            <a:avLst/>
+          </a:prstGeom>
+          <a:noFill/>
+        </p:spPr>
+        <p:txBody>
+          <a:bodyPr wrap="square" rtlCol="0">
+            <a:spAutoFit/>
+          </a:bodyPr>
+          <a:lstStyle/>
+          <a:p>
+            <a:r>
+              <a:rPr lang="es-AR" sz="2400" b="1" dirty="0" smtClean="0"/>
+              <a:t>Después</a:t>
+            </a:r>
+            <a:endParaRPr lang="es-AR" b="1" dirty="0"/>
+          </a:p>
+        </p:txBody>
+      </p:sp>
+    </p:spTree>
+    <p:extLst>
+      <p:ext uri="{BB962C8B-B14F-4D97-AF65-F5344CB8AC3E}">
+        <p14:creationId xmlns:p14="http://schemas.microsoft.com/office/powerpoint/2010/main" val="2081072584"/>
+      </p:ext>
+    </p:extLst>
+  </p:cSld>
+  <p:clrMapOvr>
+    <a:masterClrMapping/>
+  </p:clrMapOvr>
+  <p:timing>
+    <p:tnLst>
+      <p:par>
+        <p:cTn id="1" dur="indefinite" restart="never" nodeType="tmRoot"/>
+      </p:par>
+    </p:tnLst>
+  </p:timing>
+</p:sld>
+</file>
+
+<file path=ppt/slides/slide7.xml><?xml version="1.0" encoding="utf-8"?>
+<p:sld xmlns:a="http://schemas.openxmlformats.org/drawingml/2006/main" xmlns:r="http://schemas.openxmlformats.org/officeDocument/2006/relationships" xmlns:p="http://schemas.openxmlformats.org/presentationml/2006/main">
+  <p:cSld>
+    <p:spTree>
+      <p:nvGrpSpPr>
+        <p:cNvPr id="1" name=""/>
+        <p:cNvGrpSpPr/>
+        <p:nvPr/>
+      </p:nvGrpSpPr>
+      <p:grpSpPr>
+        <a:xfrm>
+          <a:off x="0" y="0"/>
+          <a:ext cx="0" cy="0"/>
+          <a:chOff x="0" y="0"/>
+          <a:chExt cx="0" cy="0"/>
+        </a:xfrm>
+      </p:grpSpPr>
+      <p:sp>
+        <p:nvSpPr>
+          <p:cNvPr id="2" name="Title 1"/>
+          <p:cNvSpPr>
+            <a:spLocks noGrp="1"/>
+          </p:cNvSpPr>
+          <p:nvPr>
+            <p:ph type="title"/>
+          </p:nvPr>
+        </p:nvSpPr>
+        <p:spPr>
+          <a:xfrm>
+            <a:off x="1536563" y="411679"/>
+            <a:ext cx="10018713" cy="1752599"/>
+          </a:xfrm>
+        </p:spPr>
+        <p:txBody>
+          <a:bodyPr/>
+          <a:lstStyle/>
+          <a:p>
+            <a:r>
+              <a:rPr lang="es-AR" dirty="0" smtClean="0"/>
+              <a:t>Regla 3</a:t>
+            </a:r>
+            <a:endParaRPr lang="es-AR" dirty="0"/>
+          </a:p>
+        </p:txBody>
+      </p:sp>
+      <p:pic>
+        <p:nvPicPr>
+          <p:cNvPr id="4" name="Picture 3"/>
+          <p:cNvPicPr>
+            <a:picLocks noChangeAspect="1"/>
+          </p:cNvPicPr>
+          <p:nvPr/>
+        </p:nvPicPr>
+        <p:blipFill>
+          <a:blip r:embed="rId2">
+            <a:extLst>
+              <a:ext uri="{28A0092B-C50C-407E-A947-70E740481C1C}">
+                <a14:useLocalDpi xmlns:a14="http://schemas.microsoft.com/office/drawing/2010/main" val="0"/>
+              </a:ext>
+            </a:extLst>
+          </a:blip>
+          <a:stretch>
+            <a:fillRect/>
+          </a:stretch>
+        </p:blipFill>
+        <p:spPr>
+          <a:xfrm>
+            <a:off x="7142102" y="2275780"/>
+            <a:ext cx="3271434" cy="3316248"/>
+          </a:xfrm>
+          <a:prstGeom prst="rect">
+            <a:avLst/>
+          </a:prstGeom>
+        </p:spPr>
+      </p:pic>
+      <p:pic>
+        <p:nvPicPr>
+          <p:cNvPr id="5" name="Picture 4"/>
+          <p:cNvPicPr>
+            <a:picLocks noChangeAspect="1"/>
+          </p:cNvPicPr>
+          <p:nvPr/>
+        </p:nvPicPr>
+        <p:blipFill>
+          <a:blip r:embed="rId3">
+            <a:extLst>
+              <a:ext uri="{28A0092B-C50C-407E-A947-70E740481C1C}">
+                <a14:useLocalDpi xmlns:a14="http://schemas.microsoft.com/office/drawing/2010/main" val="0"/>
+              </a:ext>
+            </a:extLst>
+          </a:blip>
+          <a:stretch>
+            <a:fillRect/>
+          </a:stretch>
+        </p:blipFill>
+        <p:spPr>
+          <a:xfrm>
+            <a:off x="2724506" y="2278812"/>
+            <a:ext cx="3268843" cy="3313216"/>
+          </a:xfrm>
+          <a:prstGeom prst="rect">
+            <a:avLst/>
+          </a:prstGeom>
+        </p:spPr>
+      </p:pic>
+      <p:sp>
+        <p:nvSpPr>
+          <p:cNvPr id="6" name="TextBox 5"/>
+          <p:cNvSpPr txBox="1"/>
+          <p:nvPr/>
+        </p:nvSpPr>
+        <p:spPr>
+          <a:xfrm>
+            <a:off x="3871014" y="5893135"/>
+            <a:ext cx="975825" cy="461665"/>
+          </a:xfrm>
+          <a:prstGeom prst="rect">
+            <a:avLst/>
+          </a:prstGeom>
+          <a:noFill/>
+        </p:spPr>
+        <p:txBody>
+          <a:bodyPr wrap="square" rtlCol="0">
+            <a:spAutoFit/>
+          </a:bodyPr>
+          <a:lstStyle/>
+          <a:p>
+            <a:r>
+              <a:rPr lang="es-AR" sz="2400" b="1" dirty="0" smtClean="0"/>
+              <a:t>Antes</a:t>
+            </a:r>
+            <a:endParaRPr lang="es-AR" b="1" dirty="0"/>
+          </a:p>
+        </p:txBody>
+      </p:sp>
+      <p:sp>
+        <p:nvSpPr>
+          <p:cNvPr id="7" name="TextBox 6"/>
+          <p:cNvSpPr txBox="1"/>
+          <p:nvPr/>
+        </p:nvSpPr>
+        <p:spPr>
+          <a:xfrm>
+            <a:off x="8124875" y="5893134"/>
+            <a:ext cx="1305888" cy="461665"/>
+          </a:xfrm>
+          <a:prstGeom prst="rect">
+            <a:avLst/>
+          </a:prstGeom>
+          <a:noFill/>
+        </p:spPr>
+        <p:txBody>
+          <a:bodyPr wrap="square" rtlCol="0">
+            <a:spAutoFit/>
+          </a:bodyPr>
+          <a:lstStyle/>
+          <a:p>
+            <a:r>
+              <a:rPr lang="es-AR" sz="2400" b="1" dirty="0" smtClean="0"/>
+              <a:t>Después</a:t>
+            </a:r>
+            <a:endParaRPr lang="es-AR" b="1" dirty="0"/>
+          </a:p>
+        </p:txBody>
+      </p:sp>
+    </p:spTree>
+    <p:extLst>
+      <p:ext uri="{BB962C8B-B14F-4D97-AF65-F5344CB8AC3E}">
+        <p14:creationId xmlns:p14="http://schemas.microsoft.com/office/powerpoint/2010/main" val="4028116820"/>
+      </p:ext>
+    </p:extLst>
+  </p:cSld>
+  <p:clrMapOvr>
+    <a:masterClrMapping/>
+  </p:clrMapOvr>
+  <p:timing>
+    <p:tnLst>
+      <p:par>
+        <p:cTn id="1" dur="indefinite" restart="never" nodeType="tmRoot"/>
+      </p:par>
+    </p:tnLst>
+  </p:timing>
+</p:sld>
+</file>
+
+<file path=ppt/slides/slide8.xml><?xml version="1.0" encoding="utf-8"?>
+<p:sld xmlns:a="http://schemas.openxmlformats.org/drawingml/2006/main" xmlns:r="http://schemas.openxmlformats.org/officeDocument/2006/relationships" xmlns:p="http://schemas.openxmlformats.org/presentationml/2006/main">
+  <p:cSld>
+    <p:spTree>
+      <p:nvGrpSpPr>
+        <p:cNvPr id="1" name=""/>
+        <p:cNvGrpSpPr/>
+        <p:nvPr/>
+      </p:nvGrpSpPr>
+      <p:grpSpPr>
+        <a:xfrm>
+          <a:off x="0" y="0"/>
+          <a:ext cx="0" cy="0"/>
+          <a:chOff x="0" y="0"/>
+          <a:chExt cx="0" cy="0"/>
+        </a:xfrm>
+      </p:grpSpPr>
+      <p:sp>
+        <p:nvSpPr>
+          <p:cNvPr id="2" name="Title 1"/>
+          <p:cNvSpPr>
+            <a:spLocks noGrp="1"/>
+          </p:cNvSpPr>
+          <p:nvPr>
+            <p:ph type="title"/>
+          </p:nvPr>
+        </p:nvSpPr>
+        <p:spPr>
+          <a:xfrm>
+            <a:off x="1628003" y="398417"/>
+            <a:ext cx="10018713" cy="1752599"/>
+          </a:xfrm>
+        </p:spPr>
+        <p:txBody>
+          <a:bodyPr/>
+          <a:lstStyle/>
+          <a:p>
+            <a:r>
+              <a:rPr lang="es-AR" dirty="0" smtClean="0"/>
+              <a:t>Regla 4.1</a:t>
+            </a:r>
+            <a:endParaRPr lang="es-AR" dirty="0"/>
+          </a:p>
+        </p:txBody>
+      </p:sp>
+      <p:pic>
+        <p:nvPicPr>
+          <p:cNvPr id="4" name="Picture 3"/>
+          <p:cNvPicPr>
+            <a:picLocks noChangeAspect="1"/>
+          </p:cNvPicPr>
+          <p:nvPr/>
+        </p:nvPicPr>
+        <p:blipFill>
+          <a:blip r:embed="rId2">
+            <a:extLst>
+              <a:ext uri="{28A0092B-C50C-407E-A947-70E740481C1C}">
+                <a14:useLocalDpi xmlns:a14="http://schemas.microsoft.com/office/drawing/2010/main" val="0"/>
+              </a:ext>
+            </a:extLst>
+          </a:blip>
+          <a:stretch>
+            <a:fillRect/>
+          </a:stretch>
+        </p:blipFill>
+        <p:spPr>
+          <a:xfrm>
+            <a:off x="7178949" y="2151016"/>
+            <a:ext cx="3462942" cy="3447272"/>
+          </a:xfrm>
+          <a:prstGeom prst="rect">
+            <a:avLst/>
+          </a:prstGeom>
+        </p:spPr>
+      </p:pic>
+      <p:pic>
+        <p:nvPicPr>
+          <p:cNvPr id="5" name="Picture 4"/>
+          <p:cNvPicPr>
+            <a:picLocks noChangeAspect="1"/>
+          </p:cNvPicPr>
+          <p:nvPr/>
+        </p:nvPicPr>
+        <p:blipFill>
+          <a:blip r:embed="rId3">
+            <a:extLst>
+              <a:ext uri="{28A0092B-C50C-407E-A947-70E740481C1C}">
+                <a14:useLocalDpi xmlns:a14="http://schemas.microsoft.com/office/drawing/2010/main" val="0"/>
+              </a:ext>
+            </a:extLst>
+          </a:blip>
+          <a:stretch>
+            <a:fillRect/>
+          </a:stretch>
+        </p:blipFill>
+        <p:spPr>
+          <a:xfrm>
+            <a:off x="2625634" y="2151017"/>
+            <a:ext cx="3416073" cy="3447270"/>
+          </a:xfrm>
+          <a:prstGeom prst="rect">
+            <a:avLst/>
+          </a:prstGeom>
+        </p:spPr>
+      </p:pic>
+      <p:sp>
+        <p:nvSpPr>
+          <p:cNvPr id="6" name="TextBox 5"/>
+          <p:cNvSpPr txBox="1"/>
+          <p:nvPr/>
+        </p:nvSpPr>
+        <p:spPr>
+          <a:xfrm>
+            <a:off x="3845758" y="5840883"/>
+            <a:ext cx="975825" cy="461665"/>
+          </a:xfrm>
+          <a:prstGeom prst="rect">
+            <a:avLst/>
+          </a:prstGeom>
+          <a:noFill/>
+        </p:spPr>
+        <p:txBody>
+          <a:bodyPr wrap="square" rtlCol="0">
+            <a:spAutoFit/>
+          </a:bodyPr>
+          <a:lstStyle/>
+          <a:p>
+            <a:r>
+              <a:rPr lang="es-AR" sz="2400" b="1" dirty="0" smtClean="0"/>
+              <a:t>Antes</a:t>
+            </a:r>
+            <a:endParaRPr lang="es-AR" b="1" dirty="0"/>
+          </a:p>
+        </p:txBody>
+      </p:sp>
+      <p:sp>
+        <p:nvSpPr>
+          <p:cNvPr id="7" name="TextBox 6"/>
+          <p:cNvSpPr txBox="1"/>
+          <p:nvPr/>
+        </p:nvSpPr>
+        <p:spPr>
+          <a:xfrm>
+            <a:off x="8257476" y="5840883"/>
+            <a:ext cx="1305888" cy="461665"/>
+          </a:xfrm>
+          <a:prstGeom prst="rect">
+            <a:avLst/>
+          </a:prstGeom>
+          <a:noFill/>
+        </p:spPr>
+        <p:txBody>
+          <a:bodyPr wrap="square" rtlCol="0">
+            <a:spAutoFit/>
+          </a:bodyPr>
+          <a:lstStyle/>
+          <a:p>
+            <a:r>
+              <a:rPr lang="es-AR" sz="2400" b="1" dirty="0" smtClean="0"/>
+              <a:t>Después</a:t>
+            </a:r>
+            <a:endParaRPr lang="es-AR" b="1" dirty="0"/>
+          </a:p>
+        </p:txBody>
+      </p:sp>
+    </p:spTree>
+    <p:extLst>
+      <p:ext uri="{BB962C8B-B14F-4D97-AF65-F5344CB8AC3E}">
+        <p14:creationId xmlns:p14="http://schemas.microsoft.com/office/powerpoint/2010/main" val="919725392"/>
+      </p:ext>
+    </p:extLst>
+  </p:cSld>
+  <p:clrMapOvr>
+    <a:masterClrMapping/>
+  </p:clrMapOvr>
+  <p:timing>
+    <p:tnLst>
+      <p:par>
+        <p:cTn id="1" dur="indefinite" restart="never" nodeType="tmRoot"/>
+      </p:par>
+    </p:tnLst>
+  </p:timing>
+</p:sld>
+</file>
+
+<file path=ppt/slides/slide9.xml><?xml version="1.0" encoding="utf-8"?>
+<p:sld xmlns:a="http://schemas.openxmlformats.org/drawingml/2006/main" xmlns:r="http://schemas.openxmlformats.org/officeDocument/2006/relationships" xmlns:p="http://schemas.openxmlformats.org/presentationml/2006/main">
+  <p:cSld>
+    <p:spTree>
+      <p:nvGrpSpPr>
+        <p:cNvPr id="1" name=""/>
+        <p:cNvGrpSpPr/>
+        <p:nvPr/>
+      </p:nvGrpSpPr>
+      <p:grpSpPr>
+        <a:xfrm>
+          <a:off x="0" y="0"/>
+          <a:ext cx="0" cy="0"/>
+          <a:chOff x="0" y="0"/>
+          <a:chExt cx="0" cy="0"/>
+        </a:xfrm>
+      </p:grpSpPr>
+      <p:sp>
+        <p:nvSpPr>
+          <p:cNvPr id="2" name="Title 1"/>
+          <p:cNvSpPr>
+            <a:spLocks noGrp="1"/>
+          </p:cNvSpPr>
+          <p:nvPr>
+            <p:ph type="title"/>
+          </p:nvPr>
+        </p:nvSpPr>
+        <p:spPr>
+          <a:xfrm>
+            <a:off x="1523499" y="450668"/>
+            <a:ext cx="10018713" cy="1752599"/>
+          </a:xfrm>
+        </p:spPr>
+        <p:txBody>
+          <a:bodyPr/>
+          <a:lstStyle/>
+          <a:p>
+            <a:r>
+              <a:rPr lang="es-AR" dirty="0" smtClean="0"/>
+              <a:t>Regla 4.2</a:t>
+            </a:r>
+            <a:endParaRPr lang="es-AR" dirty="0"/>
+          </a:p>
+        </p:txBody>
+      </p:sp>
+      <p:pic>
+        <p:nvPicPr>
+          <p:cNvPr id="4" name="Picture 3"/>
+          <p:cNvPicPr>
+            <a:picLocks noChangeAspect="1"/>
+          </p:cNvPicPr>
+          <p:nvPr/>
+        </p:nvPicPr>
+        <p:blipFill>
+          <a:blip r:embed="rId2">
+            <a:extLst>
+              <a:ext uri="{28A0092B-C50C-407E-A947-70E740481C1C}">
+                <a14:useLocalDpi xmlns:a14="http://schemas.microsoft.com/office/drawing/2010/main" val="0"/>
+              </a:ext>
+            </a:extLst>
+          </a:blip>
+          <a:stretch>
+            <a:fillRect/>
+          </a:stretch>
+        </p:blipFill>
+        <p:spPr>
+          <a:xfrm>
+            <a:off x="7069688" y="2200884"/>
+            <a:ext cx="3470628" cy="3470628"/>
+          </a:xfrm>
+          <a:prstGeom prst="rect">
+            <a:avLst/>
+          </a:prstGeom>
+        </p:spPr>
+      </p:pic>
+      <p:pic>
+        <p:nvPicPr>
+          <p:cNvPr id="5" name="Picture 4"/>
+          <p:cNvPicPr>
+            <a:picLocks noChangeAspect="1"/>
+          </p:cNvPicPr>
+          <p:nvPr/>
+        </p:nvPicPr>
+        <p:blipFill>
+          <a:blip r:embed="rId3">
+            <a:extLst>
+              <a:ext uri="{28A0092B-C50C-407E-A947-70E740481C1C}">
+                <a14:useLocalDpi xmlns:a14="http://schemas.microsoft.com/office/drawing/2010/main" val="0"/>
+              </a:ext>
+            </a:extLst>
+          </a:blip>
+          <a:stretch>
+            <a:fillRect/>
+          </a:stretch>
+        </p:blipFill>
+        <p:spPr>
+          <a:xfrm>
+            <a:off x="2599547" y="2203267"/>
+            <a:ext cx="3468245" cy="3468245"/>
+          </a:xfrm>
+          <a:prstGeom prst="rect">
+            <a:avLst/>
+          </a:prstGeom>
+        </p:spPr>
+      </p:pic>
+      <p:sp>
+        <p:nvSpPr>
+          <p:cNvPr id="6" name="TextBox 5"/>
+          <p:cNvSpPr txBox="1"/>
+          <p:nvPr/>
+        </p:nvSpPr>
+        <p:spPr>
+          <a:xfrm>
+            <a:off x="3845756" y="5893134"/>
+            <a:ext cx="975825" cy="461665"/>
+          </a:xfrm>
+          <a:prstGeom prst="rect">
+            <a:avLst/>
+          </a:prstGeom>
+          <a:noFill/>
+        </p:spPr>
+        <p:txBody>
+          <a:bodyPr wrap="square" rtlCol="0">
+            <a:spAutoFit/>
+          </a:bodyPr>
+          <a:lstStyle/>
+          <a:p>
+            <a:r>
+              <a:rPr lang="es-AR" sz="2400" b="1" dirty="0" smtClean="0"/>
+              <a:t>Antes</a:t>
+            </a:r>
+            <a:endParaRPr lang="es-AR" b="1" dirty="0"/>
+          </a:p>
+        </p:txBody>
+      </p:sp>
+      <p:sp>
+        <p:nvSpPr>
+          <p:cNvPr id="7" name="TextBox 6"/>
+          <p:cNvSpPr txBox="1"/>
+          <p:nvPr/>
+        </p:nvSpPr>
+        <p:spPr>
+          <a:xfrm>
+            <a:off x="8152058" y="5893134"/>
+            <a:ext cx="1305888" cy="461665"/>
+          </a:xfrm>
+          <a:prstGeom prst="rect">
+            <a:avLst/>
+          </a:prstGeom>
+          <a:noFill/>
+        </p:spPr>
+        <p:txBody>
+          <a:bodyPr wrap="square" rtlCol="0">
+            <a:spAutoFit/>
+          </a:bodyPr>
+          <a:lstStyle/>
+          <a:p>
+            <a:r>
+              <a:rPr lang="es-AR" sz="2400" b="1" dirty="0" smtClean="0"/>
+              <a:t>Después</a:t>
+            </a:r>
+            <a:endParaRPr lang="es-AR" b="1" dirty="0"/>
+          </a:p>
+        </p:txBody>
+      </p:sp>
+    </p:spTree>
+    <p:extLst>
+      <p:ext uri="{BB962C8B-B14F-4D97-AF65-F5344CB8AC3E}">
+        <p14:creationId xmlns:p14="http://schemas.microsoft.com/office/powerpoint/2010/main" val="2459875941"/>
+      </p:ext>
+    </p:extLst>
+  </p:cSld>
+  <p:clrMapOvr>
+    <a:masterClrMapping/>
+  </p:clrMapOvr>
+  <p:timing>
+    <p:tnLst>
+      <p:par>
+        <p:cTn id="1" dur="indefinite" restart="never" nodeType="tmRoot"/>
+      </p:par>
+    </p:tnLst>
+  </p:timing>
 </p:sld>
 </file>
 
